--- a/templates/template.pptx
+++ b/templates/template.pptx
@@ -4,6 +4,9 @@
   <p:sldMasterIdLst>
     <p:sldMasterId id="2147483648" r:id="rId1"/>
   </p:sldMasterIdLst>
+  <p:notesMasterIdLst>
+    <p:notesMasterId r:id="rId4"/>
+  </p:notesMasterIdLst>
   <p:sldIdLst>
     <p:sldId id="256" r:id="rId2"/>
     <p:sldId id="257" r:id="rId3"/>
@@ -120,8 +123,444 @@
         </p15:guide>
       </p15:sldGuideLst>
     </p:ext>
+    <p:ext uri="{2D200454-40CA-4A62-9FC3-DE9A4176ACB9}">
+      <p15:notesGuideLst xmlns:p15="http://schemas.microsoft.com/office/powerpoint/2012/main"/>
+    </p:ext>
   </p:extLst>
 </p:presentation>
+</file>
+
+<file path=ppt/notesMasters/notesMaster1.xml><?xml version="1.0" encoding="utf-8"?>
+<p:notesMaster xmlns:a="http://schemas.openxmlformats.org/drawingml/2006/main" xmlns:r="http://schemas.openxmlformats.org/officeDocument/2006/relationships" xmlns:p="http://schemas.openxmlformats.org/presentationml/2006/main">
+  <p:cSld>
+    <p:bg>
+      <p:bgRef idx="1001">
+        <a:schemeClr val="bg1"/>
+      </p:bgRef>
+    </p:bg>
+    <p:spTree>
+      <p:nvGrpSpPr>
+        <p:cNvPr id="1" name=""/>
+        <p:cNvGrpSpPr/>
+        <p:nvPr/>
+      </p:nvGrpSpPr>
+      <p:grpSpPr>
+        <a:xfrm>
+          <a:off x="0" y="0"/>
+          <a:ext cx="0" cy="0"/>
+          <a:chOff x="0" y="0"/>
+          <a:chExt cx="0" cy="0"/>
+        </a:xfrm>
+      </p:grpSpPr>
+      <p:sp>
+        <p:nvSpPr>
+          <p:cNvPr id="2" name="Header Placeholder 1"/>
+          <p:cNvSpPr>
+            <a:spLocks noGrp="1"/>
+          </p:cNvSpPr>
+          <p:nvPr>
+            <p:ph type="hdr" sz="quarter"/>
+          </p:nvPr>
+        </p:nvSpPr>
+        <p:spPr>
+          <a:xfrm>
+            <a:off x="0" y="0"/>
+            <a:ext cx="2971800" cy="458788"/>
+          </a:xfrm>
+          <a:prstGeom prst="rect">
+            <a:avLst/>
+          </a:prstGeom>
+        </p:spPr>
+        <p:txBody>
+          <a:bodyPr vert="horz" lIns="91440" tIns="45720" rIns="91440" bIns="45720" rtlCol="0"/>
+          <a:lstStyle>
+            <a:lvl1pPr algn="l">
+              <a:defRPr sz="1200"/>
+            </a:lvl1pPr>
+          </a:lstStyle>
+          <a:p>
+            <a:endParaRPr lang="en-US"/>
+          </a:p>
+        </p:txBody>
+      </p:sp>
+      <p:sp>
+        <p:nvSpPr>
+          <p:cNvPr id="3" name="Date Placeholder 2"/>
+          <p:cNvSpPr>
+            <a:spLocks noGrp="1"/>
+          </p:cNvSpPr>
+          <p:nvPr>
+            <p:ph type="dt" idx="1"/>
+          </p:nvPr>
+        </p:nvSpPr>
+        <p:spPr>
+          <a:xfrm>
+            <a:off x="3884613" y="0"/>
+            <a:ext cx="2971800" cy="458788"/>
+          </a:xfrm>
+          <a:prstGeom prst="rect">
+            <a:avLst/>
+          </a:prstGeom>
+        </p:spPr>
+        <p:txBody>
+          <a:bodyPr vert="horz" lIns="91440" tIns="45720" rIns="91440" bIns="45720" rtlCol="0"/>
+          <a:lstStyle>
+            <a:lvl1pPr algn="r">
+              <a:defRPr sz="1200"/>
+            </a:lvl1pPr>
+          </a:lstStyle>
+          <a:p>
+            <a:fld id="{41602A36-3EF3-4BDB-B121-CE1FE8ED6CE3}" type="datetimeFigureOut">
+              <a:rPr lang="en-US" smtClean="0"/>
+              <a:t>6/15/2022</a:t>
+            </a:fld>
+            <a:endParaRPr lang="en-US"/>
+          </a:p>
+        </p:txBody>
+      </p:sp>
+      <p:sp>
+        <p:nvSpPr>
+          <p:cNvPr id="4" name="Slide Image Placeholder 3"/>
+          <p:cNvSpPr>
+            <a:spLocks noGrp="1" noRot="1" noChangeAspect="1"/>
+          </p:cNvSpPr>
+          <p:nvPr>
+            <p:ph type="sldImg" idx="2"/>
+          </p:nvPr>
+        </p:nvSpPr>
+        <p:spPr>
+          <a:xfrm>
+            <a:off x="685800" y="1143000"/>
+            <a:ext cx="5486400" cy="3086100"/>
+          </a:xfrm>
+          <a:prstGeom prst="rect">
+            <a:avLst/>
+          </a:prstGeom>
+          <a:noFill/>
+          <a:ln w="12700">
+            <a:solidFill>
+              <a:prstClr val="black"/>
+            </a:solidFill>
+          </a:ln>
+        </p:spPr>
+        <p:txBody>
+          <a:bodyPr vert="horz" lIns="91440" tIns="45720" rIns="91440" bIns="45720" rtlCol="0" anchor="ctr"/>
+          <a:lstStyle/>
+          <a:p>
+            <a:endParaRPr lang="en-US"/>
+          </a:p>
+        </p:txBody>
+      </p:sp>
+      <p:sp>
+        <p:nvSpPr>
+          <p:cNvPr id="5" name="Notes Placeholder 4"/>
+          <p:cNvSpPr>
+            <a:spLocks noGrp="1"/>
+          </p:cNvSpPr>
+          <p:nvPr>
+            <p:ph type="body" sz="quarter" idx="3"/>
+          </p:nvPr>
+        </p:nvSpPr>
+        <p:spPr>
+          <a:xfrm>
+            <a:off x="685800" y="4400550"/>
+            <a:ext cx="5486400" cy="3600450"/>
+          </a:xfrm>
+          <a:prstGeom prst="rect">
+            <a:avLst/>
+          </a:prstGeom>
+        </p:spPr>
+        <p:txBody>
+          <a:bodyPr vert="horz" lIns="91440" tIns="45720" rIns="91440" bIns="45720" rtlCol="0"/>
+          <a:lstStyle/>
+          <a:p>
+            <a:pPr lvl="0"/>
+            <a:r>
+              <a:rPr lang="en-US"/>
+              <a:t>Click to edit Master text styles</a:t>
+            </a:r>
+          </a:p>
+          <a:p>
+            <a:pPr lvl="1"/>
+            <a:r>
+              <a:rPr lang="en-US"/>
+              <a:t>Second level</a:t>
+            </a:r>
+          </a:p>
+          <a:p>
+            <a:pPr lvl="2"/>
+            <a:r>
+              <a:rPr lang="en-US"/>
+              <a:t>Third level</a:t>
+            </a:r>
+          </a:p>
+          <a:p>
+            <a:pPr lvl="3"/>
+            <a:r>
+              <a:rPr lang="en-US"/>
+              <a:t>Fourth level</a:t>
+            </a:r>
+          </a:p>
+          <a:p>
+            <a:pPr lvl="4"/>
+            <a:r>
+              <a:rPr lang="en-US"/>
+              <a:t>Fifth level</a:t>
+            </a:r>
+          </a:p>
+        </p:txBody>
+      </p:sp>
+      <p:sp>
+        <p:nvSpPr>
+          <p:cNvPr id="6" name="Footer Placeholder 5"/>
+          <p:cNvSpPr>
+            <a:spLocks noGrp="1"/>
+          </p:cNvSpPr>
+          <p:nvPr>
+            <p:ph type="ftr" sz="quarter" idx="4"/>
+          </p:nvPr>
+        </p:nvSpPr>
+        <p:spPr>
+          <a:xfrm>
+            <a:off x="0" y="8685213"/>
+            <a:ext cx="2971800" cy="458787"/>
+          </a:xfrm>
+          <a:prstGeom prst="rect">
+            <a:avLst/>
+          </a:prstGeom>
+        </p:spPr>
+        <p:txBody>
+          <a:bodyPr vert="horz" lIns="91440" tIns="45720" rIns="91440" bIns="45720" rtlCol="0" anchor="b"/>
+          <a:lstStyle>
+            <a:lvl1pPr algn="l">
+              <a:defRPr sz="1200"/>
+            </a:lvl1pPr>
+          </a:lstStyle>
+          <a:p>
+            <a:endParaRPr lang="en-US"/>
+          </a:p>
+        </p:txBody>
+      </p:sp>
+      <p:sp>
+        <p:nvSpPr>
+          <p:cNvPr id="7" name="Slide Number Placeholder 6"/>
+          <p:cNvSpPr>
+            <a:spLocks noGrp="1"/>
+          </p:cNvSpPr>
+          <p:nvPr>
+            <p:ph type="sldNum" sz="quarter" idx="5"/>
+          </p:nvPr>
+        </p:nvSpPr>
+        <p:spPr>
+          <a:xfrm>
+            <a:off x="3884613" y="8685213"/>
+            <a:ext cx="2971800" cy="458787"/>
+          </a:xfrm>
+          <a:prstGeom prst="rect">
+            <a:avLst/>
+          </a:prstGeom>
+        </p:spPr>
+        <p:txBody>
+          <a:bodyPr vert="horz" lIns="91440" tIns="45720" rIns="91440" bIns="45720" rtlCol="0" anchor="b"/>
+          <a:lstStyle>
+            <a:lvl1pPr algn="r">
+              <a:defRPr sz="1200"/>
+            </a:lvl1pPr>
+          </a:lstStyle>
+          <a:p>
+            <a:fld id="{71E03961-D31D-4E22-8DCA-F0C4D2D1E2A3}" type="slidenum">
+              <a:rPr lang="en-US" smtClean="0"/>
+              <a:t>‹#›</a:t>
+            </a:fld>
+            <a:endParaRPr lang="en-US"/>
+          </a:p>
+        </p:txBody>
+      </p:sp>
+    </p:spTree>
+    <p:extLst>
+      <p:ext uri="{BB962C8B-B14F-4D97-AF65-F5344CB8AC3E}">
+        <p14:creationId xmlns:p14="http://schemas.microsoft.com/office/powerpoint/2010/main" val="2203092904"/>
+      </p:ext>
+    </p:extLst>
+  </p:cSld>
+  <p:clrMap bg1="lt1" tx1="dk1" bg2="lt2" tx2="dk2" accent1="accent1" accent2="accent2" accent3="accent3" accent4="accent4" accent5="accent5" accent6="accent6" hlink="hlink" folHlink="folHlink"/>
+  <p:notesStyle>
+    <a:lvl1pPr marL="0" algn="l" defTabSz="914400" rtl="0" eaLnBrk="1" latinLnBrk="0" hangingPunct="1">
+      <a:defRPr sz="1200" kern="1200">
+        <a:solidFill>
+          <a:schemeClr val="tx1"/>
+        </a:solidFill>
+        <a:latin typeface="+mn-lt"/>
+        <a:ea typeface="+mn-ea"/>
+        <a:cs typeface="+mn-cs"/>
+      </a:defRPr>
+    </a:lvl1pPr>
+    <a:lvl2pPr marL="457200" algn="l" defTabSz="914400" rtl="0" eaLnBrk="1" latinLnBrk="0" hangingPunct="1">
+      <a:defRPr sz="1200" kern="1200">
+        <a:solidFill>
+          <a:schemeClr val="tx1"/>
+        </a:solidFill>
+        <a:latin typeface="+mn-lt"/>
+        <a:ea typeface="+mn-ea"/>
+        <a:cs typeface="+mn-cs"/>
+      </a:defRPr>
+    </a:lvl2pPr>
+    <a:lvl3pPr marL="914400" algn="l" defTabSz="914400" rtl="0" eaLnBrk="1" latinLnBrk="0" hangingPunct="1">
+      <a:defRPr sz="1200" kern="1200">
+        <a:solidFill>
+          <a:schemeClr val="tx1"/>
+        </a:solidFill>
+        <a:latin typeface="+mn-lt"/>
+        <a:ea typeface="+mn-ea"/>
+        <a:cs typeface="+mn-cs"/>
+      </a:defRPr>
+    </a:lvl3pPr>
+    <a:lvl4pPr marL="1371600" algn="l" defTabSz="914400" rtl="0" eaLnBrk="1" latinLnBrk="0" hangingPunct="1">
+      <a:defRPr sz="1200" kern="1200">
+        <a:solidFill>
+          <a:schemeClr val="tx1"/>
+        </a:solidFill>
+        <a:latin typeface="+mn-lt"/>
+        <a:ea typeface="+mn-ea"/>
+        <a:cs typeface="+mn-cs"/>
+      </a:defRPr>
+    </a:lvl4pPr>
+    <a:lvl5pPr marL="1828800" algn="l" defTabSz="914400" rtl="0" eaLnBrk="1" latinLnBrk="0" hangingPunct="1">
+      <a:defRPr sz="1200" kern="1200">
+        <a:solidFill>
+          <a:schemeClr val="tx1"/>
+        </a:solidFill>
+        <a:latin typeface="+mn-lt"/>
+        <a:ea typeface="+mn-ea"/>
+        <a:cs typeface="+mn-cs"/>
+      </a:defRPr>
+    </a:lvl5pPr>
+    <a:lvl6pPr marL="2286000" algn="l" defTabSz="914400" rtl="0" eaLnBrk="1" latinLnBrk="0" hangingPunct="1">
+      <a:defRPr sz="1200" kern="1200">
+        <a:solidFill>
+          <a:schemeClr val="tx1"/>
+        </a:solidFill>
+        <a:latin typeface="+mn-lt"/>
+        <a:ea typeface="+mn-ea"/>
+        <a:cs typeface="+mn-cs"/>
+      </a:defRPr>
+    </a:lvl6pPr>
+    <a:lvl7pPr marL="2743200" algn="l" defTabSz="914400" rtl="0" eaLnBrk="1" latinLnBrk="0" hangingPunct="1">
+      <a:defRPr sz="1200" kern="1200">
+        <a:solidFill>
+          <a:schemeClr val="tx1"/>
+        </a:solidFill>
+        <a:latin typeface="+mn-lt"/>
+        <a:ea typeface="+mn-ea"/>
+        <a:cs typeface="+mn-cs"/>
+      </a:defRPr>
+    </a:lvl7pPr>
+    <a:lvl8pPr marL="3200400" algn="l" defTabSz="914400" rtl="0" eaLnBrk="1" latinLnBrk="0" hangingPunct="1">
+      <a:defRPr sz="1200" kern="1200">
+        <a:solidFill>
+          <a:schemeClr val="tx1"/>
+        </a:solidFill>
+        <a:latin typeface="+mn-lt"/>
+        <a:ea typeface="+mn-ea"/>
+        <a:cs typeface="+mn-cs"/>
+      </a:defRPr>
+    </a:lvl8pPr>
+    <a:lvl9pPr marL="3657600" algn="l" defTabSz="914400" rtl="0" eaLnBrk="1" latinLnBrk="0" hangingPunct="1">
+      <a:defRPr sz="1200" kern="1200">
+        <a:solidFill>
+          <a:schemeClr val="tx1"/>
+        </a:solidFill>
+        <a:latin typeface="+mn-lt"/>
+        <a:ea typeface="+mn-ea"/>
+        <a:cs typeface="+mn-cs"/>
+      </a:defRPr>
+    </a:lvl9pPr>
+  </p:notesStyle>
+</p:notesMaster>
+</file>
+
+<file path=ppt/notesSlides/notesSlide1.xml><?xml version="1.0" encoding="utf-8"?>
+<p:notes xmlns:a="http://schemas.openxmlformats.org/drawingml/2006/main" xmlns:r="http://schemas.openxmlformats.org/officeDocument/2006/relationships" xmlns:p="http://schemas.openxmlformats.org/presentationml/2006/main">
+  <p:cSld>
+    <p:spTree>
+      <p:nvGrpSpPr>
+        <p:cNvPr id="1" name=""/>
+        <p:cNvGrpSpPr/>
+        <p:nvPr/>
+      </p:nvGrpSpPr>
+      <p:grpSpPr>
+        <a:xfrm>
+          <a:off x="0" y="0"/>
+          <a:ext cx="0" cy="0"/>
+          <a:chOff x="0" y="0"/>
+          <a:chExt cx="0" cy="0"/>
+        </a:xfrm>
+      </p:grpSpPr>
+      <p:sp>
+        <p:nvSpPr>
+          <p:cNvPr id="2" name="Slide Image Placeholder 1"/>
+          <p:cNvSpPr>
+            <a:spLocks noGrp="1" noRot="1" noChangeAspect="1"/>
+          </p:cNvSpPr>
+          <p:nvPr>
+            <p:ph type="sldImg"/>
+          </p:nvPr>
+        </p:nvSpPr>
+        <p:spPr/>
+      </p:sp>
+      <p:sp>
+        <p:nvSpPr>
+          <p:cNvPr id="3" name="Notes Placeholder 2"/>
+          <p:cNvSpPr>
+            <a:spLocks noGrp="1"/>
+          </p:cNvSpPr>
+          <p:nvPr>
+            <p:ph type="body" idx="1"/>
+          </p:nvPr>
+        </p:nvSpPr>
+        <p:spPr/>
+        <p:txBody>
+          <a:bodyPr/>
+          <a:lstStyle/>
+          <a:p>
+            <a:endParaRPr lang="en-US"/>
+          </a:p>
+        </p:txBody>
+      </p:sp>
+      <p:sp>
+        <p:nvSpPr>
+          <p:cNvPr id="4" name="Slide Number Placeholder 3"/>
+          <p:cNvSpPr>
+            <a:spLocks noGrp="1"/>
+          </p:cNvSpPr>
+          <p:nvPr>
+            <p:ph type="sldNum" sz="quarter" idx="5"/>
+          </p:nvPr>
+        </p:nvSpPr>
+        <p:spPr/>
+        <p:txBody>
+          <a:bodyPr/>
+          <a:lstStyle/>
+          <a:p>
+            <a:fld id="{71E03961-D31D-4E22-8DCA-F0C4D2D1E2A3}" type="slidenum">
+              <a:rPr lang="en-US" smtClean="0"/>
+              <a:t>2</a:t>
+            </a:fld>
+            <a:endParaRPr lang="en-US"/>
+          </a:p>
+        </p:txBody>
+      </p:sp>
+    </p:spTree>
+    <p:extLst>
+      <p:ext uri="{BB962C8B-B14F-4D97-AF65-F5344CB8AC3E}">
+        <p14:creationId xmlns:p14="http://schemas.microsoft.com/office/powerpoint/2010/main" val="1854837907"/>
+      </p:ext>
+    </p:extLst>
+  </p:cSld>
+  <p:clrMapOvr>
+    <a:masterClrMapping/>
+  </p:clrMapOvr>
+</p:notes>
 </file>
 
 <file path=ppt/slideLayouts/slideLayout1.xml><?xml version="1.0" encoding="utf-8"?>
@@ -163,7 +602,10 @@
           </a:bodyPr>
           <a:lstStyle>
             <a:lvl1pPr>
-              <a:defRPr sz="2000"/>
+              <a:defRPr sz="2000">
+                <a:latin typeface="Segoe UI Semilight" panose="020B0402040204020203" pitchFamily="34" charset="0"/>
+                <a:cs typeface="Segoe UI Semilight" panose="020B0402040204020203" pitchFamily="34" charset="0"/>
+              </a:defRPr>
             </a:lvl1pPr>
           </a:lstStyle>
           <a:p>
@@ -203,6 +645,8 @@
                     <a:tint val="75000"/>
                   </a:schemeClr>
                 </a:solidFill>
+                <a:latin typeface="Segoe UI Semilight" panose="020B0402040204020203" pitchFamily="34" charset="0"/>
+                <a:cs typeface="Segoe UI Semilight" panose="020B0402040204020203" pitchFamily="34" charset="0"/>
               </a:defRPr>
             </a:lvl1pPr>
             <a:lvl2pPr marL="342900" indent="0" algn="ctr">
@@ -307,11 +751,19 @@
         <p:spPr/>
         <p:txBody>
           <a:bodyPr/>
-          <a:lstStyle/>
+          <a:lstStyle>
+            <a:lvl1pPr>
+              <a:defRPr>
+                <a:latin typeface="Segoe UI Semilight" panose="020B0402040204020203" pitchFamily="34" charset="0"/>
+                <a:cs typeface="Segoe UI Semilight" panose="020B0402040204020203" pitchFamily="34" charset="0"/>
+              </a:defRPr>
+            </a:lvl1pPr>
+          </a:lstStyle>
           <a:p>
             <a:fld id="{241EB5C9-1307-BA42-ABA2-0BC069CD8E7F}" type="datetimeFigureOut">
               <a:rPr lang="en-US" smtClean="0"/>
-              <a:t>6/9/2022</a:t>
+              <a:pPr/>
+              <a:t>6/15/2022</a:t>
             </a:fld>
             <a:endParaRPr lang="en-US"/>
           </a:p>
@@ -330,7 +782,14 @@
         <p:spPr/>
         <p:txBody>
           <a:bodyPr/>
-          <a:lstStyle/>
+          <a:lstStyle>
+            <a:lvl1pPr>
+              <a:defRPr>
+                <a:latin typeface="Segoe UI Semilight" panose="020B0402040204020203" pitchFamily="34" charset="0"/>
+                <a:cs typeface="Segoe UI Semilight" panose="020B0402040204020203" pitchFamily="34" charset="0"/>
+              </a:defRPr>
+            </a:lvl1pPr>
+          </a:lstStyle>
           <a:p>
             <a:endParaRPr lang="en-US"/>
           </a:p>
@@ -357,10 +816,18 @@
         </p:spPr>
         <p:txBody>
           <a:bodyPr/>
-          <a:lstStyle/>
+          <a:lstStyle>
+            <a:lvl1pPr>
+              <a:defRPr>
+                <a:latin typeface="Segoe UI Semilight" panose="020B0402040204020203" pitchFamily="34" charset="0"/>
+                <a:cs typeface="Segoe UI Semilight" panose="020B0402040204020203" pitchFamily="34" charset="0"/>
+              </a:defRPr>
+            </a:lvl1pPr>
+          </a:lstStyle>
           <a:p>
             <a:fld id="{C5EF2332-01BF-834F-8236-50238282D533}" type="slidenum">
               <a:rPr lang="en-US" smtClean="0"/>
+              <a:pPr/>
               <a:t>‹#›</a:t>
             </a:fld>
             <a:endParaRPr lang="en-US"/>
@@ -453,6 +920,266 @@
 </file>
 
 <file path=ppt/slideLayouts/slideLayout10.xml><?xml version="1.0" encoding="utf-8"?>
+<p:sldLayout xmlns:a="http://schemas.openxmlformats.org/drawingml/2006/main" xmlns:r="http://schemas.openxmlformats.org/officeDocument/2006/relationships" xmlns:p="http://schemas.openxmlformats.org/presentationml/2006/main" type="picTx" preserve="1">
+  <p:cSld name="Picture with Caption">
+    <p:spTree>
+      <p:nvGrpSpPr>
+        <p:cNvPr id="1" name=""/>
+        <p:cNvGrpSpPr/>
+        <p:nvPr/>
+      </p:nvGrpSpPr>
+      <p:grpSpPr>
+        <a:xfrm>
+          <a:off x="0" y="0"/>
+          <a:ext cx="0" cy="0"/>
+          <a:chOff x="0" y="0"/>
+          <a:chExt cx="0" cy="0"/>
+        </a:xfrm>
+      </p:grpSpPr>
+      <p:sp>
+        <p:nvSpPr>
+          <p:cNvPr id="2" name="Title 1"/>
+          <p:cNvSpPr>
+            <a:spLocks noGrp="1"/>
+          </p:cNvSpPr>
+          <p:nvPr>
+            <p:ph type="title"/>
+          </p:nvPr>
+        </p:nvSpPr>
+        <p:spPr>
+          <a:xfrm>
+            <a:off x="1792288" y="3600450"/>
+            <a:ext cx="5486400" cy="425054"/>
+          </a:xfrm>
+        </p:spPr>
+        <p:txBody>
+          <a:bodyPr anchor="b"/>
+          <a:lstStyle>
+            <a:lvl1pPr algn="l">
+              <a:defRPr sz="1500" b="1"/>
+            </a:lvl1pPr>
+          </a:lstStyle>
+          <a:p>
+            <a:r>
+              <a:rPr lang="en-US"/>
+              <a:t>Click to edit Master title style</a:t>
+            </a:r>
+          </a:p>
+        </p:txBody>
+      </p:sp>
+      <p:sp>
+        <p:nvSpPr>
+          <p:cNvPr id="3" name="Picture Placeholder 2"/>
+          <p:cNvSpPr>
+            <a:spLocks noGrp="1"/>
+          </p:cNvSpPr>
+          <p:nvPr>
+            <p:ph type="pic" idx="1"/>
+          </p:nvPr>
+        </p:nvSpPr>
+        <p:spPr>
+          <a:xfrm>
+            <a:off x="1792288" y="459581"/>
+            <a:ext cx="5486400" cy="3086100"/>
+          </a:xfrm>
+        </p:spPr>
+        <p:txBody>
+          <a:bodyPr/>
+          <a:lstStyle>
+            <a:lvl1pPr marL="0" indent="0">
+              <a:buNone/>
+              <a:defRPr sz="2400"/>
+            </a:lvl1pPr>
+            <a:lvl2pPr marL="342900" indent="0">
+              <a:buNone/>
+              <a:defRPr sz="2100"/>
+            </a:lvl2pPr>
+            <a:lvl3pPr marL="685800" indent="0">
+              <a:buNone/>
+              <a:defRPr sz="1800"/>
+            </a:lvl3pPr>
+            <a:lvl4pPr marL="1028700" indent="0">
+              <a:buNone/>
+              <a:defRPr sz="1500"/>
+            </a:lvl4pPr>
+            <a:lvl5pPr marL="1371600" indent="0">
+              <a:buNone/>
+              <a:defRPr sz="1500"/>
+            </a:lvl5pPr>
+            <a:lvl6pPr marL="1714500" indent="0">
+              <a:buNone/>
+              <a:defRPr sz="1500"/>
+            </a:lvl6pPr>
+            <a:lvl7pPr marL="2057400" indent="0">
+              <a:buNone/>
+              <a:defRPr sz="1500"/>
+            </a:lvl7pPr>
+            <a:lvl8pPr marL="2400300" indent="0">
+              <a:buNone/>
+              <a:defRPr sz="1500"/>
+            </a:lvl8pPr>
+            <a:lvl9pPr marL="2743200" indent="0">
+              <a:buNone/>
+              <a:defRPr sz="1500"/>
+            </a:lvl9pPr>
+          </a:lstStyle>
+          <a:p>
+            <a:endParaRPr lang="en-US"/>
+          </a:p>
+        </p:txBody>
+      </p:sp>
+      <p:sp>
+        <p:nvSpPr>
+          <p:cNvPr id="4" name="Text Placeholder 3"/>
+          <p:cNvSpPr>
+            <a:spLocks noGrp="1"/>
+          </p:cNvSpPr>
+          <p:nvPr>
+            <p:ph type="body" sz="half" idx="2"/>
+          </p:nvPr>
+        </p:nvSpPr>
+        <p:spPr>
+          <a:xfrm>
+            <a:off x="1792288" y="4025503"/>
+            <a:ext cx="5486400" cy="603647"/>
+          </a:xfrm>
+        </p:spPr>
+        <p:txBody>
+          <a:bodyPr/>
+          <a:lstStyle>
+            <a:lvl1pPr marL="0" indent="0">
+              <a:buNone/>
+              <a:defRPr sz="1050"/>
+            </a:lvl1pPr>
+            <a:lvl2pPr marL="342900" indent="0">
+              <a:buNone/>
+              <a:defRPr sz="900"/>
+            </a:lvl2pPr>
+            <a:lvl3pPr marL="685800" indent="0">
+              <a:buNone/>
+              <a:defRPr sz="750"/>
+            </a:lvl3pPr>
+            <a:lvl4pPr marL="1028700" indent="0">
+              <a:buNone/>
+              <a:defRPr sz="675"/>
+            </a:lvl4pPr>
+            <a:lvl5pPr marL="1371600" indent="0">
+              <a:buNone/>
+              <a:defRPr sz="675"/>
+            </a:lvl5pPr>
+            <a:lvl6pPr marL="1714500" indent="0">
+              <a:buNone/>
+              <a:defRPr sz="675"/>
+            </a:lvl6pPr>
+            <a:lvl7pPr marL="2057400" indent="0">
+              <a:buNone/>
+              <a:defRPr sz="675"/>
+            </a:lvl7pPr>
+            <a:lvl8pPr marL="2400300" indent="0">
+              <a:buNone/>
+              <a:defRPr sz="675"/>
+            </a:lvl8pPr>
+            <a:lvl9pPr marL="2743200" indent="0">
+              <a:buNone/>
+              <a:defRPr sz="675"/>
+            </a:lvl9pPr>
+          </a:lstStyle>
+          <a:p>
+            <a:pPr lvl="0"/>
+            <a:r>
+              <a:rPr lang="en-US"/>
+              <a:t>Click to edit Master text styles</a:t>
+            </a:r>
+          </a:p>
+        </p:txBody>
+      </p:sp>
+      <p:sp>
+        <p:nvSpPr>
+          <p:cNvPr id="5" name="Date Placeholder 4"/>
+          <p:cNvSpPr>
+            <a:spLocks noGrp="1"/>
+          </p:cNvSpPr>
+          <p:nvPr>
+            <p:ph type="dt" sz="half" idx="10"/>
+          </p:nvPr>
+        </p:nvSpPr>
+        <p:spPr/>
+        <p:txBody>
+          <a:bodyPr/>
+          <a:lstStyle/>
+          <a:p>
+            <a:fld id="{241EB5C9-1307-BA42-ABA2-0BC069CD8E7F}" type="datetimeFigureOut">
+              <a:rPr lang="en-US" smtClean="0"/>
+              <a:t>6/15/2022</a:t>
+            </a:fld>
+            <a:endParaRPr lang="en-US"/>
+          </a:p>
+        </p:txBody>
+      </p:sp>
+      <p:sp>
+        <p:nvSpPr>
+          <p:cNvPr id="6" name="Footer Placeholder 5"/>
+          <p:cNvSpPr>
+            <a:spLocks noGrp="1"/>
+          </p:cNvSpPr>
+          <p:nvPr>
+            <p:ph type="ftr" sz="quarter" idx="11"/>
+          </p:nvPr>
+        </p:nvSpPr>
+        <p:spPr/>
+        <p:txBody>
+          <a:bodyPr/>
+          <a:lstStyle/>
+          <a:p>
+            <a:endParaRPr lang="en-US"/>
+          </a:p>
+        </p:txBody>
+      </p:sp>
+      <p:sp>
+        <p:nvSpPr>
+          <p:cNvPr id="7" name="Slide Number Placeholder 6"/>
+          <p:cNvSpPr>
+            <a:spLocks noGrp="1"/>
+          </p:cNvSpPr>
+          <p:nvPr>
+            <p:ph type="sldNum" sz="quarter" idx="12"/>
+          </p:nvPr>
+        </p:nvSpPr>
+        <p:spPr>
+          <a:xfrm>
+            <a:off x="6553200" y="4767263"/>
+            <a:ext cx="2133600" cy="273844"/>
+          </a:xfrm>
+          <a:prstGeom prst="rect">
+            <a:avLst/>
+          </a:prstGeom>
+        </p:spPr>
+        <p:txBody>
+          <a:bodyPr/>
+          <a:lstStyle/>
+          <a:p>
+            <a:fld id="{C5EF2332-01BF-834F-8236-50238282D533}" type="slidenum">
+              <a:rPr lang="en-US" smtClean="0"/>
+              <a:t>‹#›</a:t>
+            </a:fld>
+            <a:endParaRPr lang="en-US"/>
+          </a:p>
+        </p:txBody>
+      </p:sp>
+    </p:spTree>
+    <p:extLst>
+      <p:ext uri="{BB962C8B-B14F-4D97-AF65-F5344CB8AC3E}">
+        <p14:creationId xmlns:p14="http://schemas.microsoft.com/office/powerpoint/2010/main" val="3566899855"/>
+      </p:ext>
+    </p:extLst>
+  </p:cSld>
+  <p:clrMapOvr>
+    <a:masterClrMapping/>
+  </p:clrMapOvr>
+</p:sldLayout>
+</file>
+
+<file path=ppt/slideLayouts/slideLayout11.xml><?xml version="1.0" encoding="utf-8"?>
 <p:sldLayout xmlns:a="http://schemas.openxmlformats.org/drawingml/2006/main" xmlns:r="http://schemas.openxmlformats.org/officeDocument/2006/relationships" xmlns:p="http://schemas.openxmlformats.org/presentationml/2006/main" type="vertTx" preserve="1">
   <p:cSld name="Title and Vertical Text">
     <p:spTree>
@@ -559,7 +1286,7 @@
           <a:p>
             <a:fld id="{241EB5C9-1307-BA42-ABA2-0BC069CD8E7F}" type="datetimeFigureOut">
               <a:rPr lang="en-US" smtClean="0"/>
-              <a:t>6/9/2022</a:t>
+              <a:t>6/15/2022</a:t>
             </a:fld>
             <a:endParaRPr lang="en-US"/>
           </a:p>
@@ -628,7 +1355,7 @@
 </p:sldLayout>
 </file>
 
-<file path=ppt/slideLayouts/slideLayout11.xml><?xml version="1.0" encoding="utf-8"?>
+<file path=ppt/slideLayouts/slideLayout12.xml><?xml version="1.0" encoding="utf-8"?>
 <p:sldLayout xmlns:a="http://schemas.openxmlformats.org/drawingml/2006/main" xmlns:r="http://schemas.openxmlformats.org/officeDocument/2006/relationships" xmlns:p="http://schemas.openxmlformats.org/presentationml/2006/main" type="vertTitleAndTx" preserve="1">
   <p:cSld name="Vertical Title and Text">
     <p:spTree>
@@ -745,7 +1472,7 @@
           <a:p>
             <a:fld id="{241EB5C9-1307-BA42-ABA2-0BC069CD8E7F}" type="datetimeFigureOut">
               <a:rPr lang="en-US" smtClean="0"/>
-              <a:t>6/9/2022</a:t>
+              <a:t>6/15/2022</a:t>
             </a:fld>
             <a:endParaRPr lang="en-US"/>
           </a:p>
@@ -846,7 +1573,10 @@
           <a:bodyPr/>
           <a:lstStyle>
             <a:lvl1pPr algn="l">
-              <a:defRPr/>
+              <a:defRPr>
+                <a:latin typeface="Segoe UI Semilight" panose="020B0402040204020203" pitchFamily="34" charset="0"/>
+                <a:cs typeface="Segoe UI Semilight" panose="020B0402040204020203" pitchFamily="34" charset="0"/>
+              </a:defRPr>
             </a:lvl1pPr>
           </a:lstStyle>
           <a:p>
@@ -869,63 +1599,104 @@
         </p:nvSpPr>
         <p:spPr/>
         <p:txBody>
+          <a:bodyPr>
+            <a:normAutofit/>
+          </a:bodyPr>
+          <a:lstStyle>
+            <a:lvl1pPr>
+              <a:defRPr sz="1800">
+                <a:latin typeface="Segoe UI Semilight" panose="020B0402040204020203" pitchFamily="34" charset="0"/>
+                <a:cs typeface="Segoe UI Semilight" panose="020B0402040204020203" pitchFamily="34" charset="0"/>
+              </a:defRPr>
+            </a:lvl1pPr>
+            <a:lvl2pPr>
+              <a:defRPr sz="1800">
+                <a:latin typeface="Segoe UI Semilight" panose="020B0402040204020203" pitchFamily="34" charset="0"/>
+                <a:cs typeface="Segoe UI Semilight" panose="020B0402040204020203" pitchFamily="34" charset="0"/>
+              </a:defRPr>
+            </a:lvl2pPr>
+            <a:lvl3pPr>
+              <a:defRPr sz="1400">
+                <a:latin typeface="Segoe UI Semilight" panose="020B0402040204020203" pitchFamily="34" charset="0"/>
+                <a:cs typeface="Segoe UI Semilight" panose="020B0402040204020203" pitchFamily="34" charset="0"/>
+              </a:defRPr>
+            </a:lvl3pPr>
+            <a:lvl4pPr>
+              <a:defRPr sz="1200">
+                <a:latin typeface="Segoe UI Semilight" panose="020B0402040204020203" pitchFamily="34" charset="0"/>
+                <a:cs typeface="Segoe UI Semilight" panose="020B0402040204020203" pitchFamily="34" charset="0"/>
+              </a:defRPr>
+            </a:lvl4pPr>
+            <a:lvl5pPr>
+              <a:defRPr sz="1200">
+                <a:latin typeface="Segoe UI Semilight" panose="020B0402040204020203" pitchFamily="34" charset="0"/>
+                <a:cs typeface="Segoe UI Semilight" panose="020B0402040204020203" pitchFamily="34" charset="0"/>
+              </a:defRPr>
+            </a:lvl5pPr>
+          </a:lstStyle>
+          <a:p>
+            <a:pPr lvl="0"/>
+            <a:r>
+              <a:rPr lang="en-US" dirty="0"/>
+              <a:t>Click to edit Master text styles</a:t>
+            </a:r>
+          </a:p>
+          <a:p>
+            <a:pPr lvl="1"/>
+            <a:r>
+              <a:rPr lang="en-US" dirty="0"/>
+              <a:t>Second level</a:t>
+            </a:r>
+          </a:p>
+          <a:p>
+            <a:pPr lvl="2"/>
+            <a:r>
+              <a:rPr lang="en-US" dirty="0"/>
+              <a:t>Third level</a:t>
+            </a:r>
+          </a:p>
+          <a:p>
+            <a:pPr lvl="3"/>
+            <a:r>
+              <a:rPr lang="en-US" dirty="0"/>
+              <a:t>Fourth level</a:t>
+            </a:r>
+          </a:p>
+          <a:p>
+            <a:pPr lvl="4"/>
+            <a:r>
+              <a:rPr lang="en-US" dirty="0"/>
+              <a:t>Fifth level</a:t>
+            </a:r>
+          </a:p>
+        </p:txBody>
+      </p:sp>
+      <p:sp>
+        <p:nvSpPr>
+          <p:cNvPr id="4" name="Date Placeholder 3"/>
+          <p:cNvSpPr>
+            <a:spLocks noGrp="1"/>
+          </p:cNvSpPr>
+          <p:nvPr>
+            <p:ph type="dt" sz="half" idx="10"/>
+          </p:nvPr>
+        </p:nvSpPr>
+        <p:spPr/>
+        <p:txBody>
           <a:bodyPr/>
-          <a:lstStyle/>
-          <a:p>
-            <a:pPr lvl="0"/>
-            <a:r>
-              <a:rPr lang="en-US"/>
-              <a:t>Click to edit Master text styles</a:t>
-            </a:r>
-          </a:p>
-          <a:p>
-            <a:pPr lvl="1"/>
-            <a:r>
-              <a:rPr lang="en-US"/>
-              <a:t>Second level</a:t>
-            </a:r>
-          </a:p>
-          <a:p>
-            <a:pPr lvl="2"/>
-            <a:r>
-              <a:rPr lang="en-US"/>
-              <a:t>Third level</a:t>
-            </a:r>
-          </a:p>
-          <a:p>
-            <a:pPr lvl="3"/>
-            <a:r>
-              <a:rPr lang="en-US"/>
-              <a:t>Fourth level</a:t>
-            </a:r>
-          </a:p>
-          <a:p>
-            <a:pPr lvl="4"/>
-            <a:r>
-              <a:rPr lang="en-US"/>
-              <a:t>Fifth level</a:t>
-            </a:r>
-          </a:p>
-        </p:txBody>
-      </p:sp>
-      <p:sp>
-        <p:nvSpPr>
-          <p:cNvPr id="4" name="Date Placeholder 3"/>
-          <p:cNvSpPr>
-            <a:spLocks noGrp="1"/>
-          </p:cNvSpPr>
-          <p:nvPr>
-            <p:ph type="dt" sz="half" idx="10"/>
-          </p:nvPr>
-        </p:nvSpPr>
-        <p:spPr/>
-        <p:txBody>
-          <a:bodyPr/>
-          <a:lstStyle/>
+          <a:lstStyle>
+            <a:lvl1pPr>
+              <a:defRPr>
+                <a:latin typeface="Segoe UI Semilight" panose="020B0402040204020203" pitchFamily="34" charset="0"/>
+                <a:cs typeface="Segoe UI Semilight" panose="020B0402040204020203" pitchFamily="34" charset="0"/>
+              </a:defRPr>
+            </a:lvl1pPr>
+          </a:lstStyle>
           <a:p>
             <a:fld id="{241EB5C9-1307-BA42-ABA2-0BC069CD8E7F}" type="datetimeFigureOut">
               <a:rPr lang="en-US" smtClean="0"/>
-              <a:t>6/9/2022</a:t>
+              <a:pPr/>
+              <a:t>6/15/2022</a:t>
             </a:fld>
             <a:endParaRPr lang="en-US"/>
           </a:p>
@@ -944,7 +1715,14 @@
         <p:spPr/>
         <p:txBody>
           <a:bodyPr/>
-          <a:lstStyle/>
+          <a:lstStyle>
+            <a:lvl1pPr>
+              <a:defRPr>
+                <a:latin typeface="Segoe UI Semilight" panose="020B0402040204020203" pitchFamily="34" charset="0"/>
+                <a:cs typeface="Segoe UI Semilight" panose="020B0402040204020203" pitchFamily="34" charset="0"/>
+              </a:defRPr>
+            </a:lvl1pPr>
+          </a:lstStyle>
           <a:p>
             <a:endParaRPr lang="en-US"/>
           </a:p>
@@ -971,10 +1749,18 @@
         </p:spPr>
         <p:txBody>
           <a:bodyPr/>
-          <a:lstStyle/>
+          <a:lstStyle>
+            <a:lvl1pPr>
+              <a:defRPr>
+                <a:latin typeface="Segoe UI Semilight" panose="020B0402040204020203" pitchFamily="34" charset="0"/>
+                <a:cs typeface="Segoe UI Semilight" panose="020B0402040204020203" pitchFamily="34" charset="0"/>
+              </a:defRPr>
+            </a:lvl1pPr>
+          </a:lstStyle>
           <a:p>
             <a:fld id="{C5EF2332-01BF-834F-8236-50238282D533}" type="slidenum">
               <a:rPr lang="en-US" smtClean="0"/>
+              <a:pPr/>
               <a:t>‹#›</a:t>
             </a:fld>
             <a:endParaRPr lang="en-US"/>
@@ -1029,7 +1815,10 @@
           <a:lstStyle/>
           <a:p>
             <a:pPr algn="ctr"/>
-            <a:endParaRPr lang="en-US" sz="1350"/>
+            <a:endParaRPr lang="en-US" sz="1350">
+              <a:latin typeface="Segoe UI Semilight" panose="020B0402040204020203" pitchFamily="34" charset="0"/>
+              <a:cs typeface="Segoe UI Semilight" panose="020B0402040204020203" pitchFamily="34" charset="0"/>
+            </a:endParaRPr>
           </a:p>
         </p:txBody>
       </p:sp>
@@ -1088,7 +1877,7 @@
           </a:lstStyle>
           <a:p>
             <a:r>
-              <a:rPr lang="en-US"/>
+              <a:rPr lang="en-US" dirty="0"/>
               <a:t>Click to edit Master title style</a:t>
             </a:r>
           </a:p>
@@ -1230,7 +2019,7 @@
           <a:p>
             <a:fld id="{241EB5C9-1307-BA42-ABA2-0BC069CD8E7F}" type="datetimeFigureOut">
               <a:rPr lang="en-US" smtClean="0"/>
-              <a:t>6/9/2022</a:t>
+              <a:t>6/15/2022</a:t>
             </a:fld>
             <a:endParaRPr lang="en-US"/>
           </a:p>
@@ -1430,8 +2219,17 @@
         </p:nvSpPr>
         <p:spPr/>
         <p:txBody>
-          <a:bodyPr/>
-          <a:lstStyle/>
+          <a:bodyPr>
+            <a:normAutofit/>
+          </a:bodyPr>
+          <a:lstStyle>
+            <a:lvl1pPr>
+              <a:defRPr sz="2800">
+                <a:latin typeface="Segoe UI Semilight" panose="020B0402040204020203" pitchFamily="34" charset="0"/>
+                <a:cs typeface="Segoe UI Semilight" panose="020B0402040204020203" pitchFamily="34" charset="0"/>
+              </a:defRPr>
+            </a:lvl1pPr>
+          </a:lstStyle>
           <a:p>
             <a:r>
               <a:rPr lang="en-US" dirty="0"/>
@@ -1457,22 +2255,39 @@
           </a:xfrm>
         </p:spPr>
         <p:txBody>
-          <a:bodyPr/>
+          <a:bodyPr>
+            <a:normAutofit/>
+          </a:bodyPr>
           <a:lstStyle>
             <a:lvl1pPr>
-              <a:defRPr sz="2100"/>
+              <a:defRPr sz="1800">
+                <a:latin typeface="Segoe UI Semilight" panose="020B0402040204020203" pitchFamily="34" charset="0"/>
+                <a:cs typeface="Segoe UI Semilight" panose="020B0402040204020203" pitchFamily="34" charset="0"/>
+              </a:defRPr>
             </a:lvl1pPr>
             <a:lvl2pPr>
-              <a:defRPr sz="1800"/>
+              <a:defRPr sz="1400">
+                <a:latin typeface="Segoe UI Semilight" panose="020B0402040204020203" pitchFamily="34" charset="0"/>
+                <a:cs typeface="Segoe UI Semilight" panose="020B0402040204020203" pitchFamily="34" charset="0"/>
+              </a:defRPr>
             </a:lvl2pPr>
             <a:lvl3pPr>
-              <a:defRPr sz="1500"/>
+              <a:defRPr sz="1200">
+                <a:latin typeface="Segoe UI Semilight" panose="020B0402040204020203" pitchFamily="34" charset="0"/>
+                <a:cs typeface="Segoe UI Semilight" panose="020B0402040204020203" pitchFamily="34" charset="0"/>
+              </a:defRPr>
             </a:lvl3pPr>
             <a:lvl4pPr>
-              <a:defRPr sz="1350"/>
+              <a:defRPr sz="1100">
+                <a:latin typeface="Segoe UI Semilight" panose="020B0402040204020203" pitchFamily="34" charset="0"/>
+                <a:cs typeface="Segoe UI Semilight" panose="020B0402040204020203" pitchFamily="34" charset="0"/>
+              </a:defRPr>
             </a:lvl4pPr>
             <a:lvl5pPr>
-              <a:defRPr sz="1350"/>
+              <a:defRPr sz="1100">
+                <a:latin typeface="Segoe UI Semilight" panose="020B0402040204020203" pitchFamily="34" charset="0"/>
+                <a:cs typeface="Segoe UI Semilight" panose="020B0402040204020203" pitchFamily="34" charset="0"/>
+              </a:defRPr>
             </a:lvl5pPr>
             <a:lvl6pPr>
               <a:defRPr sz="1350"/>
@@ -1541,22 +2356,39 @@
           </a:xfrm>
         </p:spPr>
         <p:txBody>
-          <a:bodyPr/>
+          <a:bodyPr>
+            <a:normAutofit/>
+          </a:bodyPr>
           <a:lstStyle>
             <a:lvl1pPr>
-              <a:defRPr sz="2100"/>
+              <a:defRPr sz="1800">
+                <a:latin typeface="Segoe UI Semilight" panose="020B0402040204020203" pitchFamily="34" charset="0"/>
+                <a:cs typeface="Segoe UI Semilight" panose="020B0402040204020203" pitchFamily="34" charset="0"/>
+              </a:defRPr>
             </a:lvl1pPr>
             <a:lvl2pPr>
-              <a:defRPr sz="1800"/>
+              <a:defRPr sz="1400">
+                <a:latin typeface="Segoe UI Semilight" panose="020B0402040204020203" pitchFamily="34" charset="0"/>
+                <a:cs typeface="Segoe UI Semilight" panose="020B0402040204020203" pitchFamily="34" charset="0"/>
+              </a:defRPr>
             </a:lvl2pPr>
             <a:lvl3pPr>
-              <a:defRPr sz="1500"/>
+              <a:defRPr sz="1200">
+                <a:latin typeface="Segoe UI Semilight" panose="020B0402040204020203" pitchFamily="34" charset="0"/>
+                <a:cs typeface="Segoe UI Semilight" panose="020B0402040204020203" pitchFamily="34" charset="0"/>
+              </a:defRPr>
             </a:lvl3pPr>
             <a:lvl4pPr>
-              <a:defRPr sz="1350"/>
+              <a:defRPr sz="1100">
+                <a:latin typeface="Segoe UI Semilight" panose="020B0402040204020203" pitchFamily="34" charset="0"/>
+                <a:cs typeface="Segoe UI Semilight" panose="020B0402040204020203" pitchFamily="34" charset="0"/>
+              </a:defRPr>
             </a:lvl4pPr>
             <a:lvl5pPr>
-              <a:defRPr sz="1350"/>
+              <a:defRPr sz="1100">
+                <a:latin typeface="Segoe UI Semilight" panose="020B0402040204020203" pitchFamily="34" charset="0"/>
+                <a:cs typeface="Segoe UI Semilight" panose="020B0402040204020203" pitchFamily="34" charset="0"/>
+              </a:defRPr>
             </a:lvl5pPr>
             <a:lvl6pPr>
               <a:defRPr sz="1350"/>
@@ -1621,11 +2453,19 @@
         <p:spPr/>
         <p:txBody>
           <a:bodyPr/>
-          <a:lstStyle/>
+          <a:lstStyle>
+            <a:lvl1pPr>
+              <a:defRPr>
+                <a:latin typeface="Segoe UI Semilight" panose="020B0402040204020203" pitchFamily="34" charset="0"/>
+                <a:cs typeface="Segoe UI Semilight" panose="020B0402040204020203" pitchFamily="34" charset="0"/>
+              </a:defRPr>
+            </a:lvl1pPr>
+          </a:lstStyle>
           <a:p>
             <a:fld id="{241EB5C9-1307-BA42-ABA2-0BC069CD8E7F}" type="datetimeFigureOut">
               <a:rPr lang="en-US" smtClean="0"/>
-              <a:t>6/9/2022</a:t>
+              <a:pPr/>
+              <a:t>6/15/2022</a:t>
             </a:fld>
             <a:endParaRPr lang="en-US"/>
           </a:p>
@@ -1644,7 +2484,14 @@
         <p:spPr/>
         <p:txBody>
           <a:bodyPr/>
-          <a:lstStyle/>
+          <a:lstStyle>
+            <a:lvl1pPr>
+              <a:defRPr>
+                <a:latin typeface="Segoe UI Semilight" panose="020B0402040204020203" pitchFamily="34" charset="0"/>
+                <a:cs typeface="Segoe UI Semilight" panose="020B0402040204020203" pitchFamily="34" charset="0"/>
+              </a:defRPr>
+            </a:lvl1pPr>
+          </a:lstStyle>
           <a:p>
             <a:endParaRPr lang="en-US"/>
           </a:p>
@@ -1671,10 +2518,18 @@
         </p:spPr>
         <p:txBody>
           <a:bodyPr/>
-          <a:lstStyle/>
+          <a:lstStyle>
+            <a:lvl1pPr>
+              <a:defRPr>
+                <a:latin typeface="Segoe UI Semilight" panose="020B0402040204020203" pitchFamily="34" charset="0"/>
+                <a:cs typeface="Segoe UI Semilight" panose="020B0402040204020203" pitchFamily="34" charset="0"/>
+              </a:defRPr>
+            </a:lvl1pPr>
+          </a:lstStyle>
           <a:p>
             <a:fld id="{C5EF2332-01BF-834F-8236-50238282D533}" type="slidenum">
               <a:rPr lang="en-US" smtClean="0"/>
+              <a:pPr/>
               <a:t>‹#›</a:t>
             </a:fld>
             <a:endParaRPr lang="en-US"/>
@@ -1726,7 +2581,10 @@
           <a:bodyPr/>
           <a:lstStyle>
             <a:lvl1pPr>
-              <a:defRPr/>
+              <a:defRPr>
+                <a:latin typeface="Segoe UI Semilight" panose="020B0402040204020203" pitchFamily="34" charset="0"/>
+                <a:cs typeface="Segoe UI Semilight" panose="020B0402040204020203" pitchFamily="34" charset="0"/>
+              </a:defRPr>
             </a:lvl1pPr>
           </a:lstStyle>
           <a:p>
@@ -1758,7 +2616,10 @@
           <a:lstStyle>
             <a:lvl1pPr marL="0" indent="0">
               <a:buNone/>
-              <a:defRPr sz="1800" b="1"/>
+              <a:defRPr sz="1800" b="1">
+                <a:latin typeface="Segoe UI Semilight" panose="020B0402040204020203" pitchFamily="34" charset="0"/>
+                <a:cs typeface="Segoe UI Semilight" panose="020B0402040204020203" pitchFamily="34" charset="0"/>
+              </a:defRPr>
             </a:lvl1pPr>
             <a:lvl2pPr marL="342900" indent="0">
               <a:buNone/>
@@ -1822,19 +2683,34 @@
           <a:bodyPr/>
           <a:lstStyle>
             <a:lvl1pPr>
-              <a:defRPr sz="1800"/>
+              <a:defRPr sz="1800">
+                <a:latin typeface="Segoe UI Semilight" panose="020B0402040204020203" pitchFamily="34" charset="0"/>
+                <a:cs typeface="Segoe UI Semilight" panose="020B0402040204020203" pitchFamily="34" charset="0"/>
+              </a:defRPr>
             </a:lvl1pPr>
             <a:lvl2pPr>
-              <a:defRPr sz="1500"/>
+              <a:defRPr sz="1500">
+                <a:latin typeface="Segoe UI Semilight" panose="020B0402040204020203" pitchFamily="34" charset="0"/>
+                <a:cs typeface="Segoe UI Semilight" panose="020B0402040204020203" pitchFamily="34" charset="0"/>
+              </a:defRPr>
             </a:lvl2pPr>
             <a:lvl3pPr>
-              <a:defRPr sz="1350"/>
+              <a:defRPr sz="1350">
+                <a:latin typeface="Segoe UI Semilight" panose="020B0402040204020203" pitchFamily="34" charset="0"/>
+                <a:cs typeface="Segoe UI Semilight" panose="020B0402040204020203" pitchFamily="34" charset="0"/>
+              </a:defRPr>
             </a:lvl3pPr>
             <a:lvl4pPr>
-              <a:defRPr sz="1200"/>
+              <a:defRPr sz="1200">
+                <a:latin typeface="Segoe UI Semilight" panose="020B0402040204020203" pitchFamily="34" charset="0"/>
+                <a:cs typeface="Segoe UI Semilight" panose="020B0402040204020203" pitchFamily="34" charset="0"/>
+              </a:defRPr>
             </a:lvl4pPr>
             <a:lvl5pPr>
-              <a:defRPr sz="1200"/>
+              <a:defRPr sz="1200">
+                <a:latin typeface="Segoe UI Semilight" panose="020B0402040204020203" pitchFamily="34" charset="0"/>
+                <a:cs typeface="Segoe UI Semilight" panose="020B0402040204020203" pitchFamily="34" charset="0"/>
+              </a:defRPr>
             </a:lvl5pPr>
             <a:lvl6pPr>
               <a:defRPr sz="1200"/>
@@ -1852,35 +2728,35 @@
           <a:p>
             <a:pPr lvl="0"/>
             <a:r>
-              <a:rPr lang="en-US"/>
+              <a:rPr lang="en-US" dirty="0"/>
               <a:t>Click to edit Master text styles</a:t>
             </a:r>
           </a:p>
           <a:p>
             <a:pPr lvl="1"/>
             <a:r>
-              <a:rPr lang="en-US"/>
+              <a:rPr lang="en-US" dirty="0"/>
               <a:t>Second level</a:t>
             </a:r>
           </a:p>
           <a:p>
             <a:pPr lvl="2"/>
             <a:r>
-              <a:rPr lang="en-US"/>
+              <a:rPr lang="en-US" dirty="0"/>
               <a:t>Third level</a:t>
             </a:r>
           </a:p>
           <a:p>
             <a:pPr lvl="3"/>
             <a:r>
-              <a:rPr lang="en-US"/>
+              <a:rPr lang="en-US" dirty="0"/>
               <a:t>Fourth level</a:t>
             </a:r>
           </a:p>
           <a:p>
             <a:pPr lvl="4"/>
             <a:r>
-              <a:rPr lang="en-US"/>
+              <a:rPr lang="en-US" dirty="0"/>
               <a:t>Fifth level</a:t>
             </a:r>
           </a:p>
@@ -1907,7 +2783,10 @@
           <a:lstStyle>
             <a:lvl1pPr marL="0" indent="0">
               <a:buNone/>
-              <a:defRPr sz="1800" b="1"/>
+              <a:defRPr sz="1800" b="1">
+                <a:latin typeface="Segoe UI Semilight" panose="020B0402040204020203" pitchFamily="34" charset="0"/>
+                <a:cs typeface="Segoe UI Semilight" panose="020B0402040204020203" pitchFamily="34" charset="0"/>
+              </a:defRPr>
             </a:lvl1pPr>
             <a:lvl2pPr marL="342900" indent="0">
               <a:buNone/>
@@ -1971,19 +2850,34 @@
           <a:bodyPr/>
           <a:lstStyle>
             <a:lvl1pPr>
-              <a:defRPr sz="1800"/>
+              <a:defRPr sz="1800">
+                <a:latin typeface="Segoe UI Semilight" panose="020B0402040204020203" pitchFamily="34" charset="0"/>
+                <a:cs typeface="Segoe UI Semilight" panose="020B0402040204020203" pitchFamily="34" charset="0"/>
+              </a:defRPr>
             </a:lvl1pPr>
             <a:lvl2pPr>
-              <a:defRPr sz="1500"/>
+              <a:defRPr sz="1500">
+                <a:latin typeface="Segoe UI Semilight" panose="020B0402040204020203" pitchFamily="34" charset="0"/>
+                <a:cs typeface="Segoe UI Semilight" panose="020B0402040204020203" pitchFamily="34" charset="0"/>
+              </a:defRPr>
             </a:lvl2pPr>
             <a:lvl3pPr>
-              <a:defRPr sz="1350"/>
+              <a:defRPr sz="1350">
+                <a:latin typeface="Segoe UI Semilight" panose="020B0402040204020203" pitchFamily="34" charset="0"/>
+                <a:cs typeface="Segoe UI Semilight" panose="020B0402040204020203" pitchFamily="34" charset="0"/>
+              </a:defRPr>
             </a:lvl3pPr>
             <a:lvl4pPr>
-              <a:defRPr sz="1200"/>
+              <a:defRPr sz="1200">
+                <a:latin typeface="Segoe UI Semilight" panose="020B0402040204020203" pitchFamily="34" charset="0"/>
+                <a:cs typeface="Segoe UI Semilight" panose="020B0402040204020203" pitchFamily="34" charset="0"/>
+              </a:defRPr>
             </a:lvl4pPr>
             <a:lvl5pPr>
-              <a:defRPr sz="1200"/>
+              <a:defRPr sz="1200">
+                <a:latin typeface="Segoe UI Semilight" panose="020B0402040204020203" pitchFamily="34" charset="0"/>
+                <a:cs typeface="Segoe UI Semilight" panose="020B0402040204020203" pitchFamily="34" charset="0"/>
+              </a:defRPr>
             </a:lvl5pPr>
             <a:lvl6pPr>
               <a:defRPr sz="1200"/>
@@ -2048,11 +2942,19 @@
         <p:spPr/>
         <p:txBody>
           <a:bodyPr/>
-          <a:lstStyle/>
+          <a:lstStyle>
+            <a:lvl1pPr>
+              <a:defRPr>
+                <a:latin typeface="Segoe UI Semilight" panose="020B0402040204020203" pitchFamily="34" charset="0"/>
+                <a:cs typeface="Segoe UI Semilight" panose="020B0402040204020203" pitchFamily="34" charset="0"/>
+              </a:defRPr>
+            </a:lvl1pPr>
+          </a:lstStyle>
           <a:p>
             <a:fld id="{241EB5C9-1307-BA42-ABA2-0BC069CD8E7F}" type="datetimeFigureOut">
               <a:rPr lang="en-US" smtClean="0"/>
-              <a:t>6/9/2022</a:t>
+              <a:pPr/>
+              <a:t>6/15/2022</a:t>
             </a:fld>
             <a:endParaRPr lang="en-US"/>
           </a:p>
@@ -2071,7 +2973,14 @@
         <p:spPr/>
         <p:txBody>
           <a:bodyPr/>
-          <a:lstStyle/>
+          <a:lstStyle>
+            <a:lvl1pPr>
+              <a:defRPr>
+                <a:latin typeface="Segoe UI Semilight" panose="020B0402040204020203" pitchFamily="34" charset="0"/>
+                <a:cs typeface="Segoe UI Semilight" panose="020B0402040204020203" pitchFamily="34" charset="0"/>
+              </a:defRPr>
+            </a:lvl1pPr>
+          </a:lstStyle>
           <a:p>
             <a:endParaRPr lang="en-US"/>
           </a:p>
@@ -2098,10 +3007,18 @@
         </p:spPr>
         <p:txBody>
           <a:bodyPr/>
-          <a:lstStyle/>
+          <a:lstStyle>
+            <a:lvl1pPr>
+              <a:defRPr>
+                <a:latin typeface="Segoe UI Semilight" panose="020B0402040204020203" pitchFamily="34" charset="0"/>
+                <a:cs typeface="Segoe UI Semilight" panose="020B0402040204020203" pitchFamily="34" charset="0"/>
+              </a:defRPr>
+            </a:lvl1pPr>
+          </a:lstStyle>
           <a:p>
             <a:fld id="{C5EF2332-01BF-834F-8236-50238282D533}" type="slidenum">
               <a:rPr lang="en-US" smtClean="0"/>
+              <a:pPr/>
               <a:t>‹#›</a:t>
             </a:fld>
             <a:endParaRPr lang="en-US"/>
@@ -2177,7 +3094,7 @@
           <a:p>
             <a:fld id="{241EB5C9-1307-BA42-ABA2-0BC069CD8E7F}" type="datetimeFigureOut">
               <a:rPr lang="en-US" smtClean="0"/>
-              <a:t>6/9/2022</a:t>
+              <a:t>6/15/2022</a:t>
             </a:fld>
             <a:endParaRPr lang="en-US"/>
           </a:p>
@@ -2280,7 +3197,7 @@
           <a:p>
             <a:fld id="{241EB5C9-1307-BA42-ABA2-0BC069CD8E7F}" type="datetimeFigureOut">
               <a:rPr lang="en-US" smtClean="0"/>
-              <a:t>6/9/2022</a:t>
+              <a:t>6/15/2022</a:t>
             </a:fld>
             <a:endParaRPr lang="en-US"/>
           </a:p>
@@ -2351,7 +3268,7 @@
 
 <file path=ppt/slideLayouts/slideLayout8.xml><?xml version="1.0" encoding="utf-8"?>
 <p:sldLayout xmlns:a="http://schemas.openxmlformats.org/drawingml/2006/main" xmlns:r="http://schemas.openxmlformats.org/officeDocument/2006/relationships" xmlns:p="http://schemas.openxmlformats.org/presentationml/2006/main" type="objTx" preserve="1">
-  <p:cSld name="Content with Caption">
+  <p:cSld name="Weird Content with Caption">
     <p:spTree>
       <p:nvGrpSpPr>
         <p:cNvPr id="1" name=""/>
@@ -2563,7 +3480,7 @@
           <a:p>
             <a:fld id="{241EB5C9-1307-BA42-ABA2-0BC069CD8E7F}" type="datetimeFigureOut">
               <a:rPr lang="en-US" smtClean="0"/>
-              <a:t>6/9/2022</a:t>
+              <a:t>6/15/2022</a:t>
             </a:fld>
             <a:endParaRPr lang="en-US"/>
           </a:p>
@@ -2633,8 +3550,8 @@
 </file>
 
 <file path=ppt/slideLayouts/slideLayout9.xml><?xml version="1.0" encoding="utf-8"?>
-<p:sldLayout xmlns:a="http://schemas.openxmlformats.org/drawingml/2006/main" xmlns:r="http://schemas.openxmlformats.org/officeDocument/2006/relationships" xmlns:p="http://schemas.openxmlformats.org/presentationml/2006/main" type="picTx" preserve="1">
-  <p:cSld name="Picture with Caption">
+<p:sldLayout xmlns:a="http://schemas.openxmlformats.org/drawingml/2006/main" xmlns:r="http://schemas.openxmlformats.org/officeDocument/2006/relationships" xmlns:p="http://schemas.openxmlformats.org/presentationml/2006/main" preserve="1" userDrawn="1">
+  <p:cSld name="Content with Caption">
     <p:spTree>
       <p:nvGrpSpPr>
         <p:cNvPr id="1" name=""/>
@@ -2651,118 +3568,32 @@
       </p:grpSpPr>
       <p:sp>
         <p:nvSpPr>
-          <p:cNvPr id="2" name="Title 1"/>
-          <p:cNvSpPr>
-            <a:spLocks noGrp="1"/>
-          </p:cNvSpPr>
-          <p:nvPr>
-            <p:ph type="title"/>
+          <p:cNvPr id="4" name="Text Placeholder 3"/>
+          <p:cNvSpPr>
+            <a:spLocks noGrp="1"/>
+          </p:cNvSpPr>
+          <p:nvPr>
+            <p:ph type="body" sz="half" idx="2"/>
           </p:nvPr>
         </p:nvSpPr>
         <p:spPr>
           <a:xfrm>
-            <a:off x="1792288" y="3600450"/>
-            <a:ext cx="5486400" cy="425054"/>
+            <a:off x="457200" y="1075532"/>
+            <a:ext cx="8229600" cy="603647"/>
           </a:xfrm>
         </p:spPr>
         <p:txBody>
-          <a:bodyPr anchor="b"/>
-          <a:lstStyle>
-            <a:lvl1pPr algn="l">
-              <a:defRPr sz="1500" b="1"/>
-            </a:lvl1pPr>
-          </a:lstStyle>
-          <a:p>
-            <a:r>
-              <a:rPr lang="en-US"/>
-              <a:t>Click to edit Master title style</a:t>
-            </a:r>
-          </a:p>
-        </p:txBody>
-      </p:sp>
-      <p:sp>
-        <p:nvSpPr>
-          <p:cNvPr id="3" name="Picture Placeholder 2"/>
-          <p:cNvSpPr>
-            <a:spLocks noGrp="1"/>
-          </p:cNvSpPr>
-          <p:nvPr>
-            <p:ph type="pic" idx="1"/>
-          </p:nvPr>
-        </p:nvSpPr>
-        <p:spPr>
-          <a:xfrm>
-            <a:off x="1792288" y="459581"/>
-            <a:ext cx="5486400" cy="3086100"/>
-          </a:xfrm>
-        </p:spPr>
-        <p:txBody>
-          <a:bodyPr/>
+          <a:bodyPr>
+            <a:normAutofit/>
+          </a:bodyPr>
           <a:lstStyle>
             <a:lvl1pPr marL="0" indent="0">
-              <a:buNone/>
-              <a:defRPr sz="2400"/>
-            </a:lvl1pPr>
-            <a:lvl2pPr marL="342900" indent="0">
-              <a:buNone/>
-              <a:defRPr sz="2100"/>
-            </a:lvl2pPr>
-            <a:lvl3pPr marL="685800" indent="0">
-              <a:buNone/>
-              <a:defRPr sz="1800"/>
-            </a:lvl3pPr>
-            <a:lvl4pPr marL="1028700" indent="0">
-              <a:buNone/>
-              <a:defRPr sz="1500"/>
-            </a:lvl4pPr>
-            <a:lvl5pPr marL="1371600" indent="0">
-              <a:buNone/>
-              <a:defRPr sz="1500"/>
-            </a:lvl5pPr>
-            <a:lvl6pPr marL="1714500" indent="0">
-              <a:buNone/>
-              <a:defRPr sz="1500"/>
-            </a:lvl6pPr>
-            <a:lvl7pPr marL="2057400" indent="0">
-              <a:buNone/>
-              <a:defRPr sz="1500"/>
-            </a:lvl7pPr>
-            <a:lvl8pPr marL="2400300" indent="0">
-              <a:buNone/>
-              <a:defRPr sz="1500"/>
-            </a:lvl8pPr>
-            <a:lvl9pPr marL="2743200" indent="0">
-              <a:buNone/>
-              <a:defRPr sz="1500"/>
-            </a:lvl9pPr>
-          </a:lstStyle>
-          <a:p>
-            <a:endParaRPr lang="en-US"/>
-          </a:p>
-        </p:txBody>
-      </p:sp>
-      <p:sp>
-        <p:nvSpPr>
-          <p:cNvPr id="4" name="Text Placeholder 3"/>
-          <p:cNvSpPr>
-            <a:spLocks noGrp="1"/>
-          </p:cNvSpPr>
-          <p:nvPr>
-            <p:ph type="body" sz="half" idx="2"/>
-          </p:nvPr>
-        </p:nvSpPr>
-        <p:spPr>
-          <a:xfrm>
-            <a:off x="1792288" y="4025503"/>
-            <a:ext cx="5486400" cy="603647"/>
-          </a:xfrm>
-        </p:spPr>
-        <p:txBody>
-          <a:bodyPr/>
-          <a:lstStyle>
-            <a:lvl1pPr marL="0" indent="0">
-              <a:buNone/>
-              <a:defRPr sz="1050"/>
+              <a:buFont typeface="Arial" panose="020B0604020202020204" pitchFamily="34" charset="0"/>
+              <a:buNone/>
+              <a:defRPr sz="1600">
+                <a:latin typeface="Segoe UI Semilight" panose="020B0402040204020203" pitchFamily="34" charset="0"/>
+                <a:cs typeface="Segoe UI Semilight" panose="020B0402040204020203" pitchFamily="34" charset="0"/>
+              </a:defRPr>
             </a:lvl1pPr>
             <a:lvl2pPr marL="342900" indent="0">
               <a:buNone/>
@@ -2800,7 +3631,7 @@
           <a:p>
             <a:pPr lvl="0"/>
             <a:r>
-              <a:rPr lang="en-US"/>
+              <a:rPr lang="en-US" dirty="0"/>
               <a:t>Click to edit Master text styles</a:t>
             </a:r>
           </a:p>
@@ -2819,11 +3650,19 @@
         <p:spPr/>
         <p:txBody>
           <a:bodyPr/>
-          <a:lstStyle/>
+          <a:lstStyle>
+            <a:lvl1pPr>
+              <a:defRPr>
+                <a:latin typeface="Segoe UI Semilight" panose="020B0402040204020203" pitchFamily="34" charset="0"/>
+                <a:cs typeface="Segoe UI Semilight" panose="020B0402040204020203" pitchFamily="34" charset="0"/>
+              </a:defRPr>
+            </a:lvl1pPr>
+          </a:lstStyle>
           <a:p>
             <a:fld id="{241EB5C9-1307-BA42-ABA2-0BC069CD8E7F}" type="datetimeFigureOut">
               <a:rPr lang="en-US" smtClean="0"/>
-              <a:t>6/9/2022</a:t>
+              <a:pPr/>
+              <a:t>6/15/2022</a:t>
             </a:fld>
             <a:endParaRPr lang="en-US"/>
           </a:p>
@@ -2842,7 +3681,14 @@
         <p:spPr/>
         <p:txBody>
           <a:bodyPr/>
-          <a:lstStyle/>
+          <a:lstStyle>
+            <a:lvl1pPr>
+              <a:defRPr>
+                <a:latin typeface="Segoe UI Semilight" panose="020B0402040204020203" pitchFamily="34" charset="0"/>
+                <a:cs typeface="Segoe UI Semilight" panose="020B0402040204020203" pitchFamily="34" charset="0"/>
+              </a:defRPr>
+            </a:lvl1pPr>
+          </a:lstStyle>
           <a:p>
             <a:endParaRPr lang="en-US"/>
           </a:p>
@@ -2869,20 +3715,175 @@
         </p:spPr>
         <p:txBody>
           <a:bodyPr/>
-          <a:lstStyle/>
+          <a:lstStyle>
+            <a:lvl1pPr>
+              <a:defRPr>
+                <a:latin typeface="Segoe UI Semilight" panose="020B0402040204020203" pitchFamily="34" charset="0"/>
+                <a:cs typeface="Segoe UI Semilight" panose="020B0402040204020203" pitchFamily="34" charset="0"/>
+              </a:defRPr>
+            </a:lvl1pPr>
+          </a:lstStyle>
           <a:p>
             <a:fld id="{C5EF2332-01BF-834F-8236-50238282D533}" type="slidenum">
               <a:rPr lang="en-US" smtClean="0"/>
+              <a:pPr/>
               <a:t>‹#›</a:t>
             </a:fld>
             <a:endParaRPr lang="en-US"/>
           </a:p>
         </p:txBody>
       </p:sp>
+      <p:sp>
+        <p:nvSpPr>
+          <p:cNvPr id="8" name="Content Placeholder 2">
+            <a:extLst>
+              <a:ext uri="{FF2B5EF4-FFF2-40B4-BE49-F238E27FC236}">
+                <a16:creationId xmlns:a16="http://schemas.microsoft.com/office/drawing/2014/main" id="{92F35648-F604-0B76-EB1E-24F319A56510}"/>
+              </a:ext>
+            </a:extLst>
+          </p:cNvPr>
+          <p:cNvSpPr>
+            <a:spLocks noGrp="1"/>
+          </p:cNvSpPr>
+          <p:nvPr>
+            <p:ph idx="1"/>
+          </p:nvPr>
+        </p:nvSpPr>
+        <p:spPr>
+          <a:xfrm>
+            <a:off x="457200" y="1701681"/>
+            <a:ext cx="8229600" cy="2989847"/>
+          </a:xfrm>
+        </p:spPr>
+        <p:txBody>
+          <a:bodyPr>
+            <a:normAutofit/>
+          </a:bodyPr>
+          <a:lstStyle>
+            <a:lvl1pPr>
+              <a:defRPr sz="1800">
+                <a:latin typeface="Segoe UI Semilight" panose="020B0402040204020203" pitchFamily="34" charset="0"/>
+                <a:cs typeface="Segoe UI Semilight" panose="020B0402040204020203" pitchFamily="34" charset="0"/>
+              </a:defRPr>
+            </a:lvl1pPr>
+            <a:lvl2pPr>
+              <a:defRPr sz="1800">
+                <a:latin typeface="Segoe UI Semilight" panose="020B0402040204020203" pitchFamily="34" charset="0"/>
+                <a:cs typeface="Segoe UI Semilight" panose="020B0402040204020203" pitchFamily="34" charset="0"/>
+              </a:defRPr>
+            </a:lvl2pPr>
+            <a:lvl3pPr>
+              <a:defRPr sz="1400">
+                <a:latin typeface="Segoe UI Semilight" panose="020B0402040204020203" pitchFamily="34" charset="0"/>
+                <a:cs typeface="Segoe UI Semilight" panose="020B0402040204020203" pitchFamily="34" charset="0"/>
+              </a:defRPr>
+            </a:lvl3pPr>
+            <a:lvl4pPr>
+              <a:defRPr sz="1200">
+                <a:latin typeface="Segoe UI Semilight" panose="020B0402040204020203" pitchFamily="34" charset="0"/>
+                <a:cs typeface="Segoe UI Semilight" panose="020B0402040204020203" pitchFamily="34" charset="0"/>
+              </a:defRPr>
+            </a:lvl4pPr>
+            <a:lvl5pPr>
+              <a:defRPr sz="1200">
+                <a:latin typeface="Segoe UI Semilight" panose="020B0402040204020203" pitchFamily="34" charset="0"/>
+                <a:cs typeface="Segoe UI Semilight" panose="020B0402040204020203" pitchFamily="34" charset="0"/>
+              </a:defRPr>
+            </a:lvl5pPr>
+            <a:lvl6pPr>
+              <a:defRPr sz="1500"/>
+            </a:lvl6pPr>
+            <a:lvl7pPr>
+              <a:defRPr sz="1500"/>
+            </a:lvl7pPr>
+            <a:lvl8pPr>
+              <a:defRPr sz="1500"/>
+            </a:lvl8pPr>
+            <a:lvl9pPr>
+              <a:defRPr sz="1500"/>
+            </a:lvl9pPr>
+          </a:lstStyle>
+          <a:p>
+            <a:pPr lvl="0"/>
+            <a:r>
+              <a:rPr lang="en-US" dirty="0"/>
+              <a:t>Click to edit Master text styles</a:t>
+            </a:r>
+          </a:p>
+          <a:p>
+            <a:pPr lvl="1"/>
+            <a:r>
+              <a:rPr lang="en-US" dirty="0"/>
+              <a:t>Second level</a:t>
+            </a:r>
+          </a:p>
+          <a:p>
+            <a:pPr lvl="2"/>
+            <a:r>
+              <a:rPr lang="en-US" dirty="0"/>
+              <a:t>Third level</a:t>
+            </a:r>
+          </a:p>
+          <a:p>
+            <a:pPr lvl="3"/>
+            <a:r>
+              <a:rPr lang="en-US" dirty="0"/>
+              <a:t>Fourth level</a:t>
+            </a:r>
+          </a:p>
+          <a:p>
+            <a:pPr lvl="4"/>
+            <a:r>
+              <a:rPr lang="en-US" dirty="0"/>
+              <a:t>Fifth level</a:t>
+            </a:r>
+          </a:p>
+        </p:txBody>
+      </p:sp>
+      <p:sp>
+        <p:nvSpPr>
+          <p:cNvPr id="9" name="Title 1">
+            <a:extLst>
+              <a:ext uri="{FF2B5EF4-FFF2-40B4-BE49-F238E27FC236}">
+                <a16:creationId xmlns:a16="http://schemas.microsoft.com/office/drawing/2014/main" id="{039B6DB2-D068-C680-F293-31EEF2D13404}"/>
+              </a:ext>
+            </a:extLst>
+          </p:cNvPr>
+          <p:cNvSpPr>
+            <a:spLocks noGrp="1"/>
+          </p:cNvSpPr>
+          <p:nvPr>
+            <p:ph type="title"/>
+          </p:nvPr>
+        </p:nvSpPr>
+        <p:spPr>
+          <a:xfrm>
+            <a:off x="457200" y="205979"/>
+            <a:ext cx="8229600" cy="857250"/>
+          </a:xfrm>
+        </p:spPr>
+        <p:txBody>
+          <a:bodyPr/>
+          <a:lstStyle>
+            <a:lvl1pPr>
+              <a:defRPr>
+                <a:latin typeface="Segoe UI Semilight" panose="020B0402040204020203" pitchFamily="34" charset="0"/>
+                <a:cs typeface="Segoe UI Semilight" panose="020B0402040204020203" pitchFamily="34" charset="0"/>
+              </a:defRPr>
+            </a:lvl1pPr>
+          </a:lstStyle>
+          <a:p>
+            <a:r>
+              <a:rPr lang="en-US"/>
+              <a:t>Click to edit Master title style</a:t>
+            </a:r>
+          </a:p>
+        </p:txBody>
+      </p:sp>
     </p:spTree>
     <p:extLst>
       <p:ext uri="{BB962C8B-B14F-4D97-AF65-F5344CB8AC3E}">
-        <p14:creationId xmlns:p14="http://schemas.microsoft.com/office/powerpoint/2010/main" val="3566899855"/>
+        <p14:creationId xmlns:p14="http://schemas.microsoft.com/office/powerpoint/2010/main" val="2483056257"/>
       </p:ext>
     </p:extLst>
   </p:cSld>
@@ -3042,7 +4043,7 @@
           <a:p>
             <a:fld id="{241EB5C9-1307-BA42-ABA2-0BC069CD8E7F}" type="datetimeFigureOut">
               <a:rPr lang="en-US" smtClean="0"/>
-              <a:t>6/9/2022</a:t>
+              <a:t>6/15/2022</a:t>
             </a:fld>
             <a:endParaRPr lang="en-US"/>
           </a:p>
@@ -3139,9 +4140,10 @@
     <p:sldLayoutId id="2147483654" r:id="rId6"/>
     <p:sldLayoutId id="2147483655" r:id="rId7"/>
     <p:sldLayoutId id="2147483656" r:id="rId8"/>
-    <p:sldLayoutId id="2147483657" r:id="rId9"/>
-    <p:sldLayoutId id="2147483658" r:id="rId10"/>
-    <p:sldLayoutId id="2147483659" r:id="rId11"/>
+    <p:sldLayoutId id="2147483660" r:id="rId9"/>
+    <p:sldLayoutId id="2147483657" r:id="rId10"/>
+    <p:sldLayoutId id="2147483658" r:id="rId11"/>
+    <p:sldLayoutId id="2147483659" r:id="rId12"/>
   </p:sldLayoutIdLst>
   <p:txStyles>
     <p:titleStyle>
@@ -3904,4 +4906,299 @@
   </a:objectDefaults>
   <a:extraClrSchemeLst/>
 </a:theme>
+</file>
+
+<file path=ppt/theme/theme2.xml><?xml version="1.0" encoding="utf-8"?>
+<a:theme xmlns:a="http://schemas.openxmlformats.org/drawingml/2006/main" name="Office Theme">
+  <a:themeElements>
+    <a:clrScheme name="Office">
+      <a:dk1>
+        <a:sysClr val="windowText" lastClr="000000"/>
+      </a:dk1>
+      <a:lt1>
+        <a:sysClr val="window" lastClr="FFFFFF"/>
+      </a:lt1>
+      <a:dk2>
+        <a:srgbClr val="44546A"/>
+      </a:dk2>
+      <a:lt2>
+        <a:srgbClr val="E7E6E6"/>
+      </a:lt2>
+      <a:accent1>
+        <a:srgbClr val="4472C4"/>
+      </a:accent1>
+      <a:accent2>
+        <a:srgbClr val="ED7D31"/>
+      </a:accent2>
+      <a:accent3>
+        <a:srgbClr val="A5A5A5"/>
+      </a:accent3>
+      <a:accent4>
+        <a:srgbClr val="FFC000"/>
+      </a:accent4>
+      <a:accent5>
+        <a:srgbClr val="5B9BD5"/>
+      </a:accent5>
+      <a:accent6>
+        <a:srgbClr val="70AD47"/>
+      </a:accent6>
+      <a:hlink>
+        <a:srgbClr val="0563C1"/>
+      </a:hlink>
+      <a:folHlink>
+        <a:srgbClr val="954F72"/>
+      </a:folHlink>
+    </a:clrScheme>
+    <a:fontScheme name="Office">
+      <a:majorFont>
+        <a:latin typeface="Calibri Light" panose="020F0302020204030204"/>
+        <a:ea typeface=""/>
+        <a:cs typeface=""/>
+        <a:font script="Jpan" typeface="游ゴシック Light"/>
+        <a:font script="Hang" typeface="맑은 고딕"/>
+        <a:font script="Hans" typeface="等线 Light"/>
+        <a:font script="Hant" typeface="新細明體"/>
+        <a:font script="Arab" typeface="Times New Roman"/>
+        <a:font script="Hebr" typeface="Times New Roman"/>
+        <a:font script="Thai" typeface="Angsana New"/>
+        <a:font script="Ethi" typeface="Nyala"/>
+        <a:font script="Beng" typeface="Vrinda"/>
+        <a:font script="Gujr" typeface="Shruti"/>
+        <a:font script="Khmr" typeface="MoolBoran"/>
+        <a:font script="Knda" typeface="Tunga"/>
+        <a:font script="Guru" typeface="Raavi"/>
+        <a:font script="Cans" typeface="Euphemia"/>
+        <a:font script="Cher" typeface="Plantagenet Cherokee"/>
+        <a:font script="Yiii" typeface="Microsoft Yi Baiti"/>
+        <a:font script="Tibt" typeface="Microsoft Himalaya"/>
+        <a:font script="Thaa" typeface="MV Boli"/>
+        <a:font script="Deva" typeface="Mangal"/>
+        <a:font script="Telu" typeface="Gautami"/>
+        <a:font script="Taml" typeface="Latha"/>
+        <a:font script="Syrc" typeface="Estrangelo Edessa"/>
+        <a:font script="Orya" typeface="Kalinga"/>
+        <a:font script="Mlym" typeface="Kartika"/>
+        <a:font script="Laoo" typeface="DokChampa"/>
+        <a:font script="Sinh" typeface="Iskoola Pota"/>
+        <a:font script="Mong" typeface="Mongolian Baiti"/>
+        <a:font script="Viet" typeface="Times New Roman"/>
+        <a:font script="Uigh" typeface="Microsoft Uighur"/>
+        <a:font script="Geor" typeface="Sylfaen"/>
+        <a:font script="Armn" typeface="Arial"/>
+        <a:font script="Bugi" typeface="Leelawadee UI"/>
+        <a:font script="Bopo" typeface="Microsoft JhengHei"/>
+        <a:font script="Java" typeface="Javanese Text"/>
+        <a:font script="Lisu" typeface="Segoe UI"/>
+        <a:font script="Mymr" typeface="Myanmar Text"/>
+        <a:font script="Nkoo" typeface="Ebrima"/>
+        <a:font script="Olck" typeface="Nirmala UI"/>
+        <a:font script="Osma" typeface="Ebrima"/>
+        <a:font script="Phag" typeface="Phagspa"/>
+        <a:font script="Syrn" typeface="Estrangelo Edessa"/>
+        <a:font script="Syrj" typeface="Estrangelo Edessa"/>
+        <a:font script="Syre" typeface="Estrangelo Edessa"/>
+        <a:font script="Sora" typeface="Nirmala UI"/>
+        <a:font script="Tale" typeface="Microsoft Tai Le"/>
+        <a:font script="Talu" typeface="Microsoft New Tai Lue"/>
+        <a:font script="Tfng" typeface="Ebrima"/>
+      </a:majorFont>
+      <a:minorFont>
+        <a:latin typeface="Calibri" panose="020F0502020204030204"/>
+        <a:ea typeface=""/>
+        <a:cs typeface=""/>
+        <a:font script="Jpan" typeface="游ゴシック"/>
+        <a:font script="Hang" typeface="맑은 고딕"/>
+        <a:font script="Hans" typeface="等线"/>
+        <a:font script="Hant" typeface="新細明體"/>
+        <a:font script="Arab" typeface="Arial"/>
+        <a:font script="Hebr" typeface="Arial"/>
+        <a:font script="Thai" typeface="Cordia New"/>
+        <a:font script="Ethi" typeface="Nyala"/>
+        <a:font script="Beng" typeface="Vrinda"/>
+        <a:font script="Gujr" typeface="Shruti"/>
+        <a:font script="Khmr" typeface="DaunPenh"/>
+        <a:font script="Knda" typeface="Tunga"/>
+        <a:font script="Guru" typeface="Raavi"/>
+        <a:font script="Cans" typeface="Euphemia"/>
+        <a:font script="Cher" typeface="Plantagenet Cherokee"/>
+        <a:font script="Yiii" typeface="Microsoft Yi Baiti"/>
+        <a:font script="Tibt" typeface="Microsoft Himalaya"/>
+        <a:font script="Thaa" typeface="MV Boli"/>
+        <a:font script="Deva" typeface="Mangal"/>
+        <a:font script="Telu" typeface="Gautami"/>
+        <a:font script="Taml" typeface="Latha"/>
+        <a:font script="Syrc" typeface="Estrangelo Edessa"/>
+        <a:font script="Orya" typeface="Kalinga"/>
+        <a:font script="Mlym" typeface="Kartika"/>
+        <a:font script="Laoo" typeface="DokChampa"/>
+        <a:font script="Sinh" typeface="Iskoola Pota"/>
+        <a:font script="Mong" typeface="Mongolian Baiti"/>
+        <a:font script="Viet" typeface="Arial"/>
+        <a:font script="Uigh" typeface="Microsoft Uighur"/>
+        <a:font script="Geor" typeface="Sylfaen"/>
+        <a:font script="Armn" typeface="Arial"/>
+        <a:font script="Bugi" typeface="Leelawadee UI"/>
+        <a:font script="Bopo" typeface="Microsoft JhengHei"/>
+        <a:font script="Java" typeface="Javanese Text"/>
+        <a:font script="Lisu" typeface="Segoe UI"/>
+        <a:font script="Mymr" typeface="Myanmar Text"/>
+        <a:font script="Nkoo" typeface="Ebrima"/>
+        <a:font script="Olck" typeface="Nirmala UI"/>
+        <a:font script="Osma" typeface="Ebrima"/>
+        <a:font script="Phag" typeface="Phagspa"/>
+        <a:font script="Syrn" typeface="Estrangelo Edessa"/>
+        <a:font script="Syrj" typeface="Estrangelo Edessa"/>
+        <a:font script="Syre" typeface="Estrangelo Edessa"/>
+        <a:font script="Sora" typeface="Nirmala UI"/>
+        <a:font script="Tale" typeface="Microsoft Tai Le"/>
+        <a:font script="Talu" typeface="Microsoft New Tai Lue"/>
+        <a:font script="Tfng" typeface="Ebrima"/>
+      </a:minorFont>
+    </a:fontScheme>
+    <a:fmtScheme name="Office">
+      <a:fillStyleLst>
+        <a:solidFill>
+          <a:schemeClr val="phClr"/>
+        </a:solidFill>
+        <a:gradFill rotWithShape="1">
+          <a:gsLst>
+            <a:gs pos="0">
+              <a:schemeClr val="phClr">
+                <a:lumMod val="110000"/>
+                <a:satMod val="105000"/>
+                <a:tint val="67000"/>
+              </a:schemeClr>
+            </a:gs>
+            <a:gs pos="50000">
+              <a:schemeClr val="phClr">
+                <a:lumMod val="105000"/>
+                <a:satMod val="103000"/>
+                <a:tint val="73000"/>
+              </a:schemeClr>
+            </a:gs>
+            <a:gs pos="100000">
+              <a:schemeClr val="phClr">
+                <a:lumMod val="105000"/>
+                <a:satMod val="109000"/>
+                <a:tint val="81000"/>
+              </a:schemeClr>
+            </a:gs>
+          </a:gsLst>
+          <a:lin ang="5400000" scaled="0"/>
+        </a:gradFill>
+        <a:gradFill rotWithShape="1">
+          <a:gsLst>
+            <a:gs pos="0">
+              <a:schemeClr val="phClr">
+                <a:satMod val="103000"/>
+                <a:lumMod val="102000"/>
+                <a:tint val="94000"/>
+              </a:schemeClr>
+            </a:gs>
+            <a:gs pos="50000">
+              <a:schemeClr val="phClr">
+                <a:satMod val="110000"/>
+                <a:lumMod val="100000"/>
+                <a:shade val="100000"/>
+              </a:schemeClr>
+            </a:gs>
+            <a:gs pos="100000">
+              <a:schemeClr val="phClr">
+                <a:lumMod val="99000"/>
+                <a:satMod val="120000"/>
+                <a:shade val="78000"/>
+              </a:schemeClr>
+            </a:gs>
+          </a:gsLst>
+          <a:lin ang="5400000" scaled="0"/>
+        </a:gradFill>
+      </a:fillStyleLst>
+      <a:lnStyleLst>
+        <a:ln w="6350" cap="flat" cmpd="sng" algn="ctr">
+          <a:solidFill>
+            <a:schemeClr val="phClr"/>
+          </a:solidFill>
+          <a:prstDash val="solid"/>
+          <a:miter lim="800000"/>
+        </a:ln>
+        <a:ln w="12700" cap="flat" cmpd="sng" algn="ctr">
+          <a:solidFill>
+            <a:schemeClr val="phClr"/>
+          </a:solidFill>
+          <a:prstDash val="solid"/>
+          <a:miter lim="800000"/>
+        </a:ln>
+        <a:ln w="19050" cap="flat" cmpd="sng" algn="ctr">
+          <a:solidFill>
+            <a:schemeClr val="phClr"/>
+          </a:solidFill>
+          <a:prstDash val="solid"/>
+          <a:miter lim="800000"/>
+        </a:ln>
+      </a:lnStyleLst>
+      <a:effectStyleLst>
+        <a:effectStyle>
+          <a:effectLst/>
+        </a:effectStyle>
+        <a:effectStyle>
+          <a:effectLst/>
+        </a:effectStyle>
+        <a:effectStyle>
+          <a:effectLst>
+            <a:outerShdw blurRad="57150" dist="19050" dir="5400000" algn="ctr" rotWithShape="0">
+              <a:srgbClr val="000000">
+                <a:alpha val="63000"/>
+              </a:srgbClr>
+            </a:outerShdw>
+          </a:effectLst>
+        </a:effectStyle>
+      </a:effectStyleLst>
+      <a:bgFillStyleLst>
+        <a:solidFill>
+          <a:schemeClr val="phClr"/>
+        </a:solidFill>
+        <a:solidFill>
+          <a:schemeClr val="phClr">
+            <a:tint val="95000"/>
+            <a:satMod val="170000"/>
+          </a:schemeClr>
+        </a:solidFill>
+        <a:gradFill rotWithShape="1">
+          <a:gsLst>
+            <a:gs pos="0">
+              <a:schemeClr val="phClr">
+                <a:tint val="93000"/>
+                <a:satMod val="150000"/>
+                <a:shade val="98000"/>
+                <a:lumMod val="102000"/>
+              </a:schemeClr>
+            </a:gs>
+            <a:gs pos="50000">
+              <a:schemeClr val="phClr">
+                <a:tint val="98000"/>
+                <a:satMod val="130000"/>
+                <a:shade val="90000"/>
+                <a:lumMod val="103000"/>
+              </a:schemeClr>
+            </a:gs>
+            <a:gs pos="100000">
+              <a:schemeClr val="phClr">
+                <a:shade val="63000"/>
+                <a:satMod val="120000"/>
+              </a:schemeClr>
+            </a:gs>
+          </a:gsLst>
+          <a:lin ang="5400000" scaled="0"/>
+        </a:gradFill>
+      </a:bgFillStyleLst>
+    </a:fmtScheme>
+  </a:themeElements>
+  <a:objectDefaults/>
+  <a:extraClrSchemeLst/>
+  <a:extLst>
+    <a:ext uri="{05A4C25C-085E-4340-85A3-A5531E510DB2}">
+      <thm15:themeFamily xmlns:thm15="http://schemas.microsoft.com/office/thememl/2012/main" name="Office Theme" id="{62F939B6-93AF-4DB8-9C6B-D6C7DFDC589F}" vid="{4A3C46E8-61CC-4603-A589-7422A47A8E4A}"/>
+    </a:ext>
+  </a:extLst>
+</a:theme>
 </file>
--- a/templates/template.pptx
+++ b/templates/template.pptx
@@ -212,7 +212,7 @@
           <a:p>
             <a:fld id="{41602A36-3EF3-4BDB-B121-CE1FE8ED6CE3}" type="datetimeFigureOut">
               <a:rPr lang="en-US" smtClean="0"/>
-              <a:t>6/15/2022</a:t>
+              <a:t>7/1/2022</a:t>
             </a:fld>
             <a:endParaRPr lang="en-US"/>
           </a:p>
@@ -763,7 +763,7 @@
             <a:fld id="{241EB5C9-1307-BA42-ABA2-0BC069CD8E7F}" type="datetimeFigureOut">
               <a:rPr lang="en-US" smtClean="0"/>
               <a:pPr/>
-              <a:t>6/15/2022</a:t>
+              <a:t>7/1/2022</a:t>
             </a:fld>
             <a:endParaRPr lang="en-US"/>
           </a:p>
@@ -1110,7 +1110,7 @@
           <a:p>
             <a:fld id="{241EB5C9-1307-BA42-ABA2-0BC069CD8E7F}" type="datetimeFigureOut">
               <a:rPr lang="en-US" smtClean="0"/>
-              <a:t>6/15/2022</a:t>
+              <a:t>7/1/2022</a:t>
             </a:fld>
             <a:endParaRPr lang="en-US"/>
           </a:p>
@@ -1286,7 +1286,7 @@
           <a:p>
             <a:fld id="{241EB5C9-1307-BA42-ABA2-0BC069CD8E7F}" type="datetimeFigureOut">
               <a:rPr lang="en-US" smtClean="0"/>
-              <a:t>6/15/2022</a:t>
+              <a:t>7/1/2022</a:t>
             </a:fld>
             <a:endParaRPr lang="en-US"/>
           </a:p>
@@ -1472,7 +1472,7 @@
           <a:p>
             <a:fld id="{241EB5C9-1307-BA42-ABA2-0BC069CD8E7F}" type="datetimeFigureOut">
               <a:rPr lang="en-US" smtClean="0"/>
-              <a:t>6/15/2022</a:t>
+              <a:t>7/1/2022</a:t>
             </a:fld>
             <a:endParaRPr lang="en-US"/>
           </a:p>
@@ -1696,7 +1696,7 @@
             <a:fld id="{241EB5C9-1307-BA42-ABA2-0BC069CD8E7F}" type="datetimeFigureOut">
               <a:rPr lang="en-US" smtClean="0"/>
               <a:pPr/>
-              <a:t>6/15/2022</a:t>
+              <a:t>7/1/2022</a:t>
             </a:fld>
             <a:endParaRPr lang="en-US"/>
           </a:p>
@@ -2019,7 +2019,7 @@
           <a:p>
             <a:fld id="{241EB5C9-1307-BA42-ABA2-0BC069CD8E7F}" type="datetimeFigureOut">
               <a:rPr lang="en-US" smtClean="0"/>
-              <a:t>6/15/2022</a:t>
+              <a:t>7/1/2022</a:t>
             </a:fld>
             <a:endParaRPr lang="en-US"/>
           </a:p>
@@ -2465,7 +2465,7 @@
             <a:fld id="{241EB5C9-1307-BA42-ABA2-0BC069CD8E7F}" type="datetimeFigureOut">
               <a:rPr lang="en-US" smtClean="0"/>
               <a:pPr/>
-              <a:t>6/15/2022</a:t>
+              <a:t>7/1/2022</a:t>
             </a:fld>
             <a:endParaRPr lang="en-US"/>
           </a:p>
@@ -2954,7 +2954,7 @@
             <a:fld id="{241EB5C9-1307-BA42-ABA2-0BC069CD8E7F}" type="datetimeFigureOut">
               <a:rPr lang="en-US" smtClean="0"/>
               <a:pPr/>
-              <a:t>6/15/2022</a:t>
+              <a:t>7/1/2022</a:t>
             </a:fld>
             <a:endParaRPr lang="en-US"/>
           </a:p>
@@ -3094,7 +3094,7 @@
           <a:p>
             <a:fld id="{241EB5C9-1307-BA42-ABA2-0BC069CD8E7F}" type="datetimeFigureOut">
               <a:rPr lang="en-US" smtClean="0"/>
-              <a:t>6/15/2022</a:t>
+              <a:t>7/1/2022</a:t>
             </a:fld>
             <a:endParaRPr lang="en-US"/>
           </a:p>
@@ -3197,7 +3197,7 @@
           <a:p>
             <a:fld id="{241EB5C9-1307-BA42-ABA2-0BC069CD8E7F}" type="datetimeFigureOut">
               <a:rPr lang="en-US" smtClean="0"/>
-              <a:t>6/15/2022</a:t>
+              <a:t>7/1/2022</a:t>
             </a:fld>
             <a:endParaRPr lang="en-US"/>
           </a:p>
@@ -3480,7 +3480,7 @@
           <a:p>
             <a:fld id="{241EB5C9-1307-BA42-ABA2-0BC069CD8E7F}" type="datetimeFigureOut">
               <a:rPr lang="en-US" smtClean="0"/>
-              <a:t>6/15/2022</a:t>
+              <a:t>7/1/2022</a:t>
             </a:fld>
             <a:endParaRPr lang="en-US"/>
           </a:p>
@@ -3662,7 +3662,7 @@
             <a:fld id="{241EB5C9-1307-BA42-ABA2-0BC069CD8E7F}" type="datetimeFigureOut">
               <a:rPr lang="en-US" smtClean="0"/>
               <a:pPr/>
-              <a:t>6/15/2022</a:t>
+              <a:t>7/1/2022</a:t>
             </a:fld>
             <a:endParaRPr lang="en-US"/>
           </a:p>
@@ -4043,7 +4043,7 @@
           <a:p>
             <a:fld id="{241EB5C9-1307-BA42-ABA2-0BC069CD8E7F}" type="datetimeFigureOut">
               <a:rPr lang="en-US" smtClean="0"/>
-              <a:t>6/15/2022</a:t>
+              <a:t>7/1/2022</a:t>
             </a:fld>
             <a:endParaRPr lang="en-US"/>
           </a:p>
@@ -4152,7 +4152,7 @@
           <a:spcPct val="0"/>
         </a:spcBef>
         <a:buNone/>
-        <a:defRPr sz="3300" kern="1200">
+        <a:defRPr sz="2800" kern="1200">
           <a:solidFill>
             <a:schemeClr val="tx1"/>
           </a:solidFill>
@@ -4169,7 +4169,7 @@
         </a:spcBef>
         <a:buFont typeface="Arial"/>
         <a:buChar char="•"/>
-        <a:defRPr sz="2400" kern="1200">
+        <a:defRPr sz="1800" kern="1200">
           <a:solidFill>
             <a:schemeClr val="tx1"/>
           </a:solidFill>
@@ -4184,7 +4184,7 @@
         </a:spcBef>
         <a:buFont typeface="Arial"/>
         <a:buChar char="–"/>
-        <a:defRPr sz="2100" kern="1200">
+        <a:defRPr sz="1800" kern="1200">
           <a:solidFill>
             <a:schemeClr val="tx1"/>
           </a:solidFill>
@@ -4199,7 +4199,7 @@
         </a:spcBef>
         <a:buFont typeface="Arial"/>
         <a:buChar char="•"/>
-        <a:defRPr sz="1800" kern="1200">
+        <a:defRPr sz="1400" kern="1200">
           <a:solidFill>
             <a:schemeClr val="tx1"/>
           </a:solidFill>
@@ -4214,7 +4214,7 @@
         </a:spcBef>
         <a:buFont typeface="Arial"/>
         <a:buChar char="–"/>
-        <a:defRPr sz="1500" kern="1200">
+        <a:defRPr sz="1200" kern="1200">
           <a:solidFill>
             <a:schemeClr val="tx1"/>
           </a:solidFill>
@@ -4229,7 +4229,7 @@
         </a:spcBef>
         <a:buFont typeface="Arial"/>
         <a:buChar char="»"/>
-        <a:defRPr sz="1500" kern="1200">
+        <a:defRPr sz="1200" kern="1200">
           <a:solidFill>
             <a:schemeClr val="tx1"/>
           </a:solidFill>

--- a/templates/template.pptx
+++ b/templates/template.pptx
@@ -212,7 +212,7 @@
           <a:p>
             <a:fld id="{41602A36-3EF3-4BDB-B121-CE1FE8ED6CE3}" type="datetimeFigureOut">
               <a:rPr lang="en-US" smtClean="0"/>
-              <a:t>7/1/2022</a:t>
+              <a:t>7/4/2022</a:t>
             </a:fld>
             <a:endParaRPr lang="en-US"/>
           </a:p>
@@ -763,7 +763,7 @@
             <a:fld id="{241EB5C9-1307-BA42-ABA2-0BC069CD8E7F}" type="datetimeFigureOut">
               <a:rPr lang="en-US" smtClean="0"/>
               <a:pPr/>
-              <a:t>7/1/2022</a:t>
+              <a:t>7/4/2022</a:t>
             </a:fld>
             <a:endParaRPr lang="en-US"/>
           </a:p>
@@ -1110,7 +1110,7 @@
           <a:p>
             <a:fld id="{241EB5C9-1307-BA42-ABA2-0BC069CD8E7F}" type="datetimeFigureOut">
               <a:rPr lang="en-US" smtClean="0"/>
-              <a:t>7/1/2022</a:t>
+              <a:t>7/4/2022</a:t>
             </a:fld>
             <a:endParaRPr lang="en-US"/>
           </a:p>
@@ -1286,7 +1286,7 @@
           <a:p>
             <a:fld id="{241EB5C9-1307-BA42-ABA2-0BC069CD8E7F}" type="datetimeFigureOut">
               <a:rPr lang="en-US" smtClean="0"/>
-              <a:t>7/1/2022</a:t>
+              <a:t>7/4/2022</a:t>
             </a:fld>
             <a:endParaRPr lang="en-US"/>
           </a:p>
@@ -1472,7 +1472,7 @@
           <a:p>
             <a:fld id="{241EB5C9-1307-BA42-ABA2-0BC069CD8E7F}" type="datetimeFigureOut">
               <a:rPr lang="en-US" smtClean="0"/>
-              <a:t>7/1/2022</a:t>
+              <a:t>7/4/2022</a:t>
             </a:fld>
             <a:endParaRPr lang="en-US"/>
           </a:p>
@@ -1696,7 +1696,7 @@
             <a:fld id="{241EB5C9-1307-BA42-ABA2-0BC069CD8E7F}" type="datetimeFigureOut">
               <a:rPr lang="en-US" smtClean="0"/>
               <a:pPr/>
-              <a:t>7/1/2022</a:t>
+              <a:t>7/4/2022</a:t>
             </a:fld>
             <a:endParaRPr lang="en-US"/>
           </a:p>
@@ -2019,7 +2019,7 @@
           <a:p>
             <a:fld id="{241EB5C9-1307-BA42-ABA2-0BC069CD8E7F}" type="datetimeFigureOut">
               <a:rPr lang="en-US" smtClean="0"/>
-              <a:t>7/1/2022</a:t>
+              <a:t>7/4/2022</a:t>
             </a:fld>
             <a:endParaRPr lang="en-US"/>
           </a:p>
@@ -2465,7 +2465,7 @@
             <a:fld id="{241EB5C9-1307-BA42-ABA2-0BC069CD8E7F}" type="datetimeFigureOut">
               <a:rPr lang="en-US" smtClean="0"/>
               <a:pPr/>
-              <a:t>7/1/2022</a:t>
+              <a:t>7/4/2022</a:t>
             </a:fld>
             <a:endParaRPr lang="en-US"/>
           </a:p>
@@ -2607,8 +2607,8 @@
         </p:nvSpPr>
         <p:spPr>
           <a:xfrm>
-            <a:off x="457200" y="1151335"/>
-            <a:ext cx="4040188" cy="479822"/>
+            <a:off x="457200" y="1151334"/>
+            <a:ext cx="4040188" cy="2531666"/>
           </a:xfrm>
         </p:spPr>
         <p:txBody>
@@ -2657,7 +2657,7 @@
           <a:p>
             <a:pPr lvl="0"/>
             <a:r>
-              <a:rPr lang="en-US"/>
+              <a:rPr lang="en-US" dirty="0"/>
               <a:t>Click to edit Master text styles</a:t>
             </a:r>
           </a:p>
@@ -2675,8 +2675,8 @@
         </p:nvSpPr>
         <p:spPr>
           <a:xfrm>
-            <a:off x="457200" y="1631156"/>
-            <a:ext cx="4040188" cy="2963466"/>
+            <a:off x="457200" y="3749674"/>
+            <a:ext cx="4040188" cy="844947"/>
           </a:xfrm>
         </p:spPr>
         <p:txBody>
@@ -2775,7 +2775,7 @@
         <p:spPr>
           <a:xfrm>
             <a:off x="4645026" y="1151335"/>
-            <a:ext cx="4041775" cy="479822"/>
+            <a:ext cx="4041775" cy="3443286"/>
           </a:xfrm>
         </p:spPr>
         <p:txBody>
@@ -2824,7 +2824,7 @@
           <a:p>
             <a:pPr lvl="0"/>
             <a:r>
-              <a:rPr lang="en-US"/>
+              <a:rPr lang="en-US" dirty="0"/>
               <a:t>Click to edit Master text styles</a:t>
             </a:r>
           </a:p>
@@ -2842,8 +2842,8 @@
         </p:nvSpPr>
         <p:spPr>
           <a:xfrm>
-            <a:off x="4645026" y="1631156"/>
-            <a:ext cx="4041775" cy="2963466"/>
+            <a:off x="4645026" y="4548902"/>
+            <a:ext cx="4041775" cy="45719"/>
           </a:xfrm>
         </p:spPr>
         <p:txBody>
@@ -2954,7 +2954,7 @@
             <a:fld id="{241EB5C9-1307-BA42-ABA2-0BC069CD8E7F}" type="datetimeFigureOut">
               <a:rPr lang="en-US" smtClean="0"/>
               <a:pPr/>
-              <a:t>7/1/2022</a:t>
+              <a:t>7/4/2022</a:t>
             </a:fld>
             <a:endParaRPr lang="en-US"/>
           </a:p>
@@ -3094,7 +3094,7 @@
           <a:p>
             <a:fld id="{241EB5C9-1307-BA42-ABA2-0BC069CD8E7F}" type="datetimeFigureOut">
               <a:rPr lang="en-US" smtClean="0"/>
-              <a:t>7/1/2022</a:t>
+              <a:t>7/4/2022</a:t>
             </a:fld>
             <a:endParaRPr lang="en-US"/>
           </a:p>
@@ -3197,7 +3197,7 @@
           <a:p>
             <a:fld id="{241EB5C9-1307-BA42-ABA2-0BC069CD8E7F}" type="datetimeFigureOut">
               <a:rPr lang="en-US" smtClean="0"/>
-              <a:t>7/1/2022</a:t>
+              <a:t>7/4/2022</a:t>
             </a:fld>
             <a:endParaRPr lang="en-US"/>
           </a:p>
@@ -3480,7 +3480,7 @@
           <a:p>
             <a:fld id="{241EB5C9-1307-BA42-ABA2-0BC069CD8E7F}" type="datetimeFigureOut">
               <a:rPr lang="en-US" smtClean="0"/>
-              <a:t>7/1/2022</a:t>
+              <a:t>7/4/2022</a:t>
             </a:fld>
             <a:endParaRPr lang="en-US"/>
           </a:p>
@@ -3662,7 +3662,7 @@
             <a:fld id="{241EB5C9-1307-BA42-ABA2-0BC069CD8E7F}" type="datetimeFigureOut">
               <a:rPr lang="en-US" smtClean="0"/>
               <a:pPr/>
-              <a:t>7/1/2022</a:t>
+              <a:t>7/4/2022</a:t>
             </a:fld>
             <a:endParaRPr lang="en-US"/>
           </a:p>
@@ -4043,7 +4043,7 @@
           <a:p>
             <a:fld id="{241EB5C9-1307-BA42-ABA2-0BC069CD8E7F}" type="datetimeFigureOut">
               <a:rPr lang="en-US" smtClean="0"/>
-              <a:t>7/1/2022</a:t>
+              <a:t>7/4/2022</a:t>
             </a:fld>
             <a:endParaRPr lang="en-US"/>
           </a:p>

--- a/templates/template.pptx
+++ b/templates/template.pptx
@@ -2607,8 +2607,8 @@
         </p:nvSpPr>
         <p:spPr>
           <a:xfrm>
-            <a:off x="457200" y="1151334"/>
-            <a:ext cx="4040188" cy="2531666"/>
+            <a:off x="457200" y="1151333"/>
+            <a:ext cx="4040188" cy="1468041"/>
           </a:xfrm>
         </p:spPr>
         <p:txBody>
@@ -2675,8 +2675,8 @@
         </p:nvSpPr>
         <p:spPr>
           <a:xfrm>
-            <a:off x="457200" y="3749674"/>
-            <a:ext cx="4040188" cy="844947"/>
+            <a:off x="457200" y="2959100"/>
+            <a:ext cx="4040188" cy="1635521"/>
           </a:xfrm>
         </p:spPr>
         <p:txBody>
